--- a/figures/Chapter 6 - Implementing a Dictionary/6.6 Using Multiway Tries.pptx
+++ b/figures/Chapter 6 - Implementing a Dictionary/6.6 Using Multiway Tries.pptx
@@ -163,10 +163,9 @@
           </a:lstStyle>
           <a:p>
             <a:r>
-              <a:rPr lang="en-US" smtClean="0"/>
+              <a:rPr lang="en-US"/>
               <a:t>Click to edit Master title style</a:t>
             </a:r>
-            <a:endParaRPr lang="en-US"/>
           </a:p>
         </p:txBody>
       </p:sp>
@@ -228,10 +227,9 @@
           </a:lstStyle>
           <a:p>
             <a:r>
-              <a:rPr lang="en-US" smtClean="0"/>
+              <a:rPr lang="en-US"/>
               <a:t>Click to edit Master subtitle style</a:t>
             </a:r>
-            <a:endParaRPr lang="en-US"/>
           </a:p>
         </p:txBody>
       </p:sp>
@@ -252,7 +250,7 @@
           <a:p>
             <a:fld id="{6F6848EA-1330-4482-9267-AB3643ACFD86}" type="datetimeFigureOut">
               <a:rPr lang="en-US" smtClean="0"/>
-              <a:t>9/13/16</a:t>
+              <a:t>5/8/18</a:t>
             </a:fld>
             <a:endParaRPr lang="en-US"/>
           </a:p>
@@ -346,10 +344,9 @@
           <a:lstStyle/>
           <a:p>
             <a:r>
-              <a:rPr lang="en-US" smtClean="0"/>
+              <a:rPr lang="en-US"/>
               <a:t>Click to edit Master title style</a:t>
             </a:r>
-            <a:endParaRPr lang="en-US"/>
           </a:p>
         </p:txBody>
       </p:sp>
@@ -370,38 +367,37 @@
           <a:p>
             <a:pPr lvl="0"/>
             <a:r>
-              <a:rPr lang="en-US" smtClean="0"/>
+              <a:rPr lang="en-US"/>
               <a:t>Click to edit Master text styles</a:t>
             </a:r>
           </a:p>
           <a:p>
             <a:pPr lvl="1"/>
             <a:r>
-              <a:rPr lang="en-US" smtClean="0"/>
+              <a:rPr lang="en-US"/>
               <a:t>Second level</a:t>
             </a:r>
           </a:p>
           <a:p>
             <a:pPr lvl="2"/>
             <a:r>
-              <a:rPr lang="en-US" smtClean="0"/>
+              <a:rPr lang="en-US"/>
               <a:t>Third level</a:t>
             </a:r>
           </a:p>
           <a:p>
             <a:pPr lvl="3"/>
             <a:r>
-              <a:rPr lang="en-US" smtClean="0"/>
+              <a:rPr lang="en-US"/>
               <a:t>Fourth level</a:t>
             </a:r>
           </a:p>
           <a:p>
             <a:pPr lvl="4"/>
             <a:r>
-              <a:rPr lang="en-US" smtClean="0"/>
+              <a:rPr lang="en-US"/>
               <a:t>Fifth level</a:t>
             </a:r>
-            <a:endParaRPr lang="en-US"/>
           </a:p>
         </p:txBody>
       </p:sp>
@@ -422,7 +418,7 @@
           <a:p>
             <a:fld id="{6F6848EA-1330-4482-9267-AB3643ACFD86}" type="datetimeFigureOut">
               <a:rPr lang="en-US" smtClean="0"/>
-              <a:t>9/13/16</a:t>
+              <a:t>5/8/18</a:t>
             </a:fld>
             <a:endParaRPr lang="en-US"/>
           </a:p>
@@ -521,10 +517,9 @@
           <a:lstStyle/>
           <a:p>
             <a:r>
-              <a:rPr lang="en-US" smtClean="0"/>
+              <a:rPr lang="en-US"/>
               <a:t>Click to edit Master title style</a:t>
             </a:r>
-            <a:endParaRPr lang="en-US"/>
           </a:p>
         </p:txBody>
       </p:sp>
@@ -550,38 +545,37 @@
           <a:p>
             <a:pPr lvl="0"/>
             <a:r>
-              <a:rPr lang="en-US" smtClean="0"/>
+              <a:rPr lang="en-US"/>
               <a:t>Click to edit Master text styles</a:t>
             </a:r>
           </a:p>
           <a:p>
             <a:pPr lvl="1"/>
             <a:r>
-              <a:rPr lang="en-US" smtClean="0"/>
+              <a:rPr lang="en-US"/>
               <a:t>Second level</a:t>
             </a:r>
           </a:p>
           <a:p>
             <a:pPr lvl="2"/>
             <a:r>
-              <a:rPr lang="en-US" smtClean="0"/>
+              <a:rPr lang="en-US"/>
               <a:t>Third level</a:t>
             </a:r>
           </a:p>
           <a:p>
             <a:pPr lvl="3"/>
             <a:r>
-              <a:rPr lang="en-US" smtClean="0"/>
+              <a:rPr lang="en-US"/>
               <a:t>Fourth level</a:t>
             </a:r>
           </a:p>
           <a:p>
             <a:pPr lvl="4"/>
             <a:r>
-              <a:rPr lang="en-US" smtClean="0"/>
+              <a:rPr lang="en-US"/>
               <a:t>Fifth level</a:t>
             </a:r>
-            <a:endParaRPr lang="en-US"/>
           </a:p>
         </p:txBody>
       </p:sp>
@@ -602,7 +596,7 @@
           <a:p>
             <a:fld id="{6F6848EA-1330-4482-9267-AB3643ACFD86}" type="datetimeFigureOut">
               <a:rPr lang="en-US" smtClean="0"/>
-              <a:t>9/13/16</a:t>
+              <a:t>5/8/18</a:t>
             </a:fld>
             <a:endParaRPr lang="en-US"/>
           </a:p>
@@ -696,10 +690,9 @@
           <a:lstStyle/>
           <a:p>
             <a:r>
-              <a:rPr lang="en-US" smtClean="0"/>
+              <a:rPr lang="en-US"/>
               <a:t>Click to edit Master title style</a:t>
             </a:r>
-            <a:endParaRPr lang="en-US"/>
           </a:p>
         </p:txBody>
       </p:sp>
@@ -720,38 +713,37 @@
           <a:p>
             <a:pPr lvl="0"/>
             <a:r>
-              <a:rPr lang="en-US" smtClean="0"/>
+              <a:rPr lang="en-US"/>
               <a:t>Click to edit Master text styles</a:t>
             </a:r>
           </a:p>
           <a:p>
             <a:pPr lvl="1"/>
             <a:r>
-              <a:rPr lang="en-US" smtClean="0"/>
+              <a:rPr lang="en-US"/>
               <a:t>Second level</a:t>
             </a:r>
           </a:p>
           <a:p>
             <a:pPr lvl="2"/>
             <a:r>
-              <a:rPr lang="en-US" smtClean="0"/>
+              <a:rPr lang="en-US"/>
               <a:t>Third level</a:t>
             </a:r>
           </a:p>
           <a:p>
             <a:pPr lvl="3"/>
             <a:r>
-              <a:rPr lang="en-US" smtClean="0"/>
+              <a:rPr lang="en-US"/>
               <a:t>Fourth level</a:t>
             </a:r>
           </a:p>
           <a:p>
             <a:pPr lvl="4"/>
             <a:r>
-              <a:rPr lang="en-US" smtClean="0"/>
+              <a:rPr lang="en-US"/>
               <a:t>Fifth level</a:t>
             </a:r>
-            <a:endParaRPr lang="en-US"/>
           </a:p>
         </p:txBody>
       </p:sp>
@@ -772,7 +764,7 @@
           <a:p>
             <a:fld id="{6F6848EA-1330-4482-9267-AB3643ACFD86}" type="datetimeFigureOut">
               <a:rPr lang="en-US" smtClean="0"/>
-              <a:t>9/13/16</a:t>
+              <a:t>5/8/18</a:t>
             </a:fld>
             <a:endParaRPr lang="en-US"/>
           </a:p>
@@ -875,10 +867,9 @@
           </a:lstStyle>
           <a:p>
             <a:r>
-              <a:rPr lang="en-US" smtClean="0"/>
+              <a:rPr lang="en-US"/>
               <a:t>Click to edit Master title style</a:t>
             </a:r>
-            <a:endParaRPr lang="en-US"/>
           </a:p>
         </p:txBody>
       </p:sp>
@@ -995,7 +986,7 @@
           <a:p>
             <a:pPr lvl="0"/>
             <a:r>
-              <a:rPr lang="en-US" smtClean="0"/>
+              <a:rPr lang="en-US"/>
               <a:t>Click to edit Master text styles</a:t>
             </a:r>
           </a:p>
@@ -1018,7 +1009,7 @@
           <a:p>
             <a:fld id="{6F6848EA-1330-4482-9267-AB3643ACFD86}" type="datetimeFigureOut">
               <a:rPr lang="en-US" smtClean="0"/>
-              <a:t>9/13/16</a:t>
+              <a:t>5/8/18</a:t>
             </a:fld>
             <a:endParaRPr lang="en-US"/>
           </a:p>
@@ -1112,10 +1103,9 @@
           <a:lstStyle/>
           <a:p>
             <a:r>
-              <a:rPr lang="en-US" smtClean="0"/>
+              <a:rPr lang="en-US"/>
               <a:t>Click to edit Master title style</a:t>
             </a:r>
-            <a:endParaRPr lang="en-US"/>
           </a:p>
         </p:txBody>
       </p:sp>
@@ -1141,38 +1131,37 @@
           <a:p>
             <a:pPr lvl="0"/>
             <a:r>
-              <a:rPr lang="en-US" smtClean="0"/>
+              <a:rPr lang="en-US"/>
               <a:t>Click to edit Master text styles</a:t>
             </a:r>
           </a:p>
           <a:p>
             <a:pPr lvl="1"/>
             <a:r>
-              <a:rPr lang="en-US" smtClean="0"/>
+              <a:rPr lang="en-US"/>
               <a:t>Second level</a:t>
             </a:r>
           </a:p>
           <a:p>
             <a:pPr lvl="2"/>
             <a:r>
-              <a:rPr lang="en-US" smtClean="0"/>
+              <a:rPr lang="en-US"/>
               <a:t>Third level</a:t>
             </a:r>
           </a:p>
           <a:p>
             <a:pPr lvl="3"/>
             <a:r>
-              <a:rPr lang="en-US" smtClean="0"/>
+              <a:rPr lang="en-US"/>
               <a:t>Fourth level</a:t>
             </a:r>
           </a:p>
           <a:p>
             <a:pPr lvl="4"/>
             <a:r>
-              <a:rPr lang="en-US" smtClean="0"/>
+              <a:rPr lang="en-US"/>
               <a:t>Fifth level</a:t>
             </a:r>
-            <a:endParaRPr lang="en-US"/>
           </a:p>
         </p:txBody>
       </p:sp>
@@ -1198,38 +1187,37 @@
           <a:p>
             <a:pPr lvl="0"/>
             <a:r>
-              <a:rPr lang="en-US" smtClean="0"/>
+              <a:rPr lang="en-US"/>
               <a:t>Click to edit Master text styles</a:t>
             </a:r>
           </a:p>
           <a:p>
             <a:pPr lvl="1"/>
             <a:r>
-              <a:rPr lang="en-US" smtClean="0"/>
+              <a:rPr lang="en-US"/>
               <a:t>Second level</a:t>
             </a:r>
           </a:p>
           <a:p>
             <a:pPr lvl="2"/>
             <a:r>
-              <a:rPr lang="en-US" smtClean="0"/>
+              <a:rPr lang="en-US"/>
               <a:t>Third level</a:t>
             </a:r>
           </a:p>
           <a:p>
             <a:pPr lvl="3"/>
             <a:r>
-              <a:rPr lang="en-US" smtClean="0"/>
+              <a:rPr lang="en-US"/>
               <a:t>Fourth level</a:t>
             </a:r>
           </a:p>
           <a:p>
             <a:pPr lvl="4"/>
             <a:r>
-              <a:rPr lang="en-US" smtClean="0"/>
+              <a:rPr lang="en-US"/>
               <a:t>Fifth level</a:t>
             </a:r>
-            <a:endParaRPr lang="en-US"/>
           </a:p>
         </p:txBody>
       </p:sp>
@@ -1250,7 +1238,7 @@
           <a:p>
             <a:fld id="{6F6848EA-1330-4482-9267-AB3643ACFD86}" type="datetimeFigureOut">
               <a:rPr lang="en-US" smtClean="0"/>
-              <a:t>9/13/16</a:t>
+              <a:t>5/8/18</a:t>
             </a:fld>
             <a:endParaRPr lang="en-US"/>
           </a:p>
@@ -1349,10 +1337,9 @@
           <a:lstStyle/>
           <a:p>
             <a:r>
-              <a:rPr lang="en-US" smtClean="0"/>
+              <a:rPr lang="en-US"/>
               <a:t>Click to edit Master title style</a:t>
             </a:r>
-            <a:endParaRPr lang="en-US"/>
           </a:p>
         </p:txBody>
       </p:sp>
@@ -1415,7 +1402,7 @@
           <a:p>
             <a:pPr lvl="0"/>
             <a:r>
-              <a:rPr lang="en-US" smtClean="0"/>
+              <a:rPr lang="en-US"/>
               <a:t>Click to edit Master text styles</a:t>
             </a:r>
           </a:p>
@@ -1443,38 +1430,37 @@
           <a:p>
             <a:pPr lvl="0"/>
             <a:r>
-              <a:rPr lang="en-US" smtClean="0"/>
+              <a:rPr lang="en-US"/>
               <a:t>Click to edit Master text styles</a:t>
             </a:r>
           </a:p>
           <a:p>
             <a:pPr lvl="1"/>
             <a:r>
-              <a:rPr lang="en-US" smtClean="0"/>
+              <a:rPr lang="en-US"/>
               <a:t>Second level</a:t>
             </a:r>
           </a:p>
           <a:p>
             <a:pPr lvl="2"/>
             <a:r>
-              <a:rPr lang="en-US" smtClean="0"/>
+              <a:rPr lang="en-US"/>
               <a:t>Third level</a:t>
             </a:r>
           </a:p>
           <a:p>
             <a:pPr lvl="3"/>
             <a:r>
-              <a:rPr lang="en-US" smtClean="0"/>
+              <a:rPr lang="en-US"/>
               <a:t>Fourth level</a:t>
             </a:r>
           </a:p>
           <a:p>
             <a:pPr lvl="4"/>
             <a:r>
-              <a:rPr lang="en-US" smtClean="0"/>
+              <a:rPr lang="en-US"/>
               <a:t>Fifth level</a:t>
             </a:r>
-            <a:endParaRPr lang="en-US"/>
           </a:p>
         </p:txBody>
       </p:sp>
@@ -1537,7 +1523,7 @@
           <a:p>
             <a:pPr lvl="0"/>
             <a:r>
-              <a:rPr lang="en-US" smtClean="0"/>
+              <a:rPr lang="en-US"/>
               <a:t>Click to edit Master text styles</a:t>
             </a:r>
           </a:p>
@@ -1565,38 +1551,37 @@
           <a:p>
             <a:pPr lvl="0"/>
             <a:r>
-              <a:rPr lang="en-US" smtClean="0"/>
+              <a:rPr lang="en-US"/>
               <a:t>Click to edit Master text styles</a:t>
             </a:r>
           </a:p>
           <a:p>
             <a:pPr lvl="1"/>
             <a:r>
-              <a:rPr lang="en-US" smtClean="0"/>
+              <a:rPr lang="en-US"/>
               <a:t>Second level</a:t>
             </a:r>
           </a:p>
           <a:p>
             <a:pPr lvl="2"/>
             <a:r>
-              <a:rPr lang="en-US" smtClean="0"/>
+              <a:rPr lang="en-US"/>
               <a:t>Third level</a:t>
             </a:r>
           </a:p>
           <a:p>
             <a:pPr lvl="3"/>
             <a:r>
-              <a:rPr lang="en-US" smtClean="0"/>
+              <a:rPr lang="en-US"/>
               <a:t>Fourth level</a:t>
             </a:r>
           </a:p>
           <a:p>
             <a:pPr lvl="4"/>
             <a:r>
-              <a:rPr lang="en-US" smtClean="0"/>
+              <a:rPr lang="en-US"/>
               <a:t>Fifth level</a:t>
             </a:r>
-            <a:endParaRPr lang="en-US"/>
           </a:p>
         </p:txBody>
       </p:sp>
@@ -1617,7 +1602,7 @@
           <a:p>
             <a:fld id="{6F6848EA-1330-4482-9267-AB3643ACFD86}" type="datetimeFigureOut">
               <a:rPr lang="en-US" smtClean="0"/>
-              <a:t>9/13/16</a:t>
+              <a:t>5/8/18</a:t>
             </a:fld>
             <a:endParaRPr lang="en-US"/>
           </a:p>
@@ -1711,10 +1696,9 @@
           <a:lstStyle/>
           <a:p>
             <a:r>
-              <a:rPr lang="en-US" smtClean="0"/>
+              <a:rPr lang="en-US"/>
               <a:t>Click to edit Master title style</a:t>
             </a:r>
-            <a:endParaRPr lang="en-US"/>
           </a:p>
         </p:txBody>
       </p:sp>
@@ -1735,7 +1719,7 @@
           <a:p>
             <a:fld id="{6F6848EA-1330-4482-9267-AB3643ACFD86}" type="datetimeFigureOut">
               <a:rPr lang="en-US" smtClean="0"/>
-              <a:t>9/13/16</a:t>
+              <a:t>5/8/18</a:t>
             </a:fld>
             <a:endParaRPr lang="en-US"/>
           </a:p>
@@ -1830,7 +1814,7 @@
           <a:p>
             <a:fld id="{6F6848EA-1330-4482-9267-AB3643ACFD86}" type="datetimeFigureOut">
               <a:rPr lang="en-US" smtClean="0"/>
-              <a:t>9/13/16</a:t>
+              <a:t>5/8/18</a:t>
             </a:fld>
             <a:endParaRPr lang="en-US"/>
           </a:p>
@@ -1933,10 +1917,9 @@
           </a:lstStyle>
           <a:p>
             <a:r>
-              <a:rPr lang="en-US" smtClean="0"/>
+              <a:rPr lang="en-US"/>
               <a:t>Click to edit Master title style</a:t>
             </a:r>
-            <a:endParaRPr lang="en-US"/>
           </a:p>
         </p:txBody>
       </p:sp>
@@ -1990,38 +1973,37 @@
           <a:p>
             <a:pPr lvl="0"/>
             <a:r>
-              <a:rPr lang="en-US" smtClean="0"/>
+              <a:rPr lang="en-US"/>
               <a:t>Click to edit Master text styles</a:t>
             </a:r>
           </a:p>
           <a:p>
             <a:pPr lvl="1"/>
             <a:r>
-              <a:rPr lang="en-US" smtClean="0"/>
+              <a:rPr lang="en-US"/>
               <a:t>Second level</a:t>
             </a:r>
           </a:p>
           <a:p>
             <a:pPr lvl="2"/>
             <a:r>
-              <a:rPr lang="en-US" smtClean="0"/>
+              <a:rPr lang="en-US"/>
               <a:t>Third level</a:t>
             </a:r>
           </a:p>
           <a:p>
             <a:pPr lvl="3"/>
             <a:r>
-              <a:rPr lang="en-US" smtClean="0"/>
+              <a:rPr lang="en-US"/>
               <a:t>Fourth level</a:t>
             </a:r>
           </a:p>
           <a:p>
             <a:pPr lvl="4"/>
             <a:r>
-              <a:rPr lang="en-US" smtClean="0"/>
+              <a:rPr lang="en-US"/>
               <a:t>Fifth level</a:t>
             </a:r>
-            <a:endParaRPr lang="en-US"/>
           </a:p>
         </p:txBody>
       </p:sp>
@@ -2084,7 +2066,7 @@
           <a:p>
             <a:pPr lvl="0"/>
             <a:r>
-              <a:rPr lang="en-US" smtClean="0"/>
+              <a:rPr lang="en-US"/>
               <a:t>Click to edit Master text styles</a:t>
             </a:r>
           </a:p>
@@ -2107,7 +2089,7 @@
           <a:p>
             <a:fld id="{6F6848EA-1330-4482-9267-AB3643ACFD86}" type="datetimeFigureOut">
               <a:rPr lang="en-US" smtClean="0"/>
-              <a:t>9/13/16</a:t>
+              <a:t>5/8/18</a:t>
             </a:fld>
             <a:endParaRPr lang="en-US"/>
           </a:p>
@@ -2210,10 +2192,9 @@
           </a:lstStyle>
           <a:p>
             <a:r>
-              <a:rPr lang="en-US" smtClean="0"/>
+              <a:rPr lang="en-US"/>
               <a:t>Click to edit Master title style</a:t>
             </a:r>
-            <a:endParaRPr lang="en-US"/>
           </a:p>
         </p:txBody>
       </p:sp>
@@ -2337,7 +2318,7 @@
           <a:p>
             <a:pPr lvl="0"/>
             <a:r>
-              <a:rPr lang="en-US" smtClean="0"/>
+              <a:rPr lang="en-US"/>
               <a:t>Click to edit Master text styles</a:t>
             </a:r>
           </a:p>
@@ -2360,7 +2341,7 @@
           <a:p>
             <a:fld id="{6F6848EA-1330-4482-9267-AB3643ACFD86}" type="datetimeFigureOut">
               <a:rPr lang="en-US" smtClean="0"/>
-              <a:t>9/13/16</a:t>
+              <a:t>5/8/18</a:t>
             </a:fld>
             <a:endParaRPr lang="en-US"/>
           </a:p>
@@ -2469,10 +2450,9 @@
           <a:lstStyle/>
           <a:p>
             <a:r>
-              <a:rPr lang="en-US" smtClean="0"/>
+              <a:rPr lang="en-US"/>
               <a:t>Click to edit Master title style</a:t>
             </a:r>
-            <a:endParaRPr lang="en-US"/>
           </a:p>
         </p:txBody>
       </p:sp>
@@ -2503,38 +2483,37 @@
           <a:p>
             <a:pPr lvl="0"/>
             <a:r>
-              <a:rPr lang="en-US" smtClean="0"/>
+              <a:rPr lang="en-US"/>
               <a:t>Click to edit Master text styles</a:t>
             </a:r>
           </a:p>
           <a:p>
             <a:pPr lvl="1"/>
             <a:r>
-              <a:rPr lang="en-US" smtClean="0"/>
+              <a:rPr lang="en-US"/>
               <a:t>Second level</a:t>
             </a:r>
           </a:p>
           <a:p>
             <a:pPr lvl="2"/>
             <a:r>
-              <a:rPr lang="en-US" smtClean="0"/>
+              <a:rPr lang="en-US"/>
               <a:t>Third level</a:t>
             </a:r>
           </a:p>
           <a:p>
             <a:pPr lvl="3"/>
             <a:r>
-              <a:rPr lang="en-US" smtClean="0"/>
+              <a:rPr lang="en-US"/>
               <a:t>Fourth level</a:t>
             </a:r>
           </a:p>
           <a:p>
             <a:pPr lvl="4"/>
             <a:r>
-              <a:rPr lang="en-US" smtClean="0"/>
+              <a:rPr lang="en-US"/>
               <a:t>Fifth level</a:t>
             </a:r>
-            <a:endParaRPr lang="en-US"/>
           </a:p>
         </p:txBody>
       </p:sp>
@@ -2573,7 +2552,7 @@
           <a:p>
             <a:fld id="{6F6848EA-1330-4482-9267-AB3643ACFD86}" type="datetimeFigureOut">
               <a:rPr lang="en-US" smtClean="0"/>
-              <a:t>9/13/16</a:t>
+              <a:t>5/8/18</a:t>
             </a:fld>
             <a:endParaRPr lang="en-US"/>
           </a:p>
@@ -3244,8 +3223,8 @@
         </p:nvSpPr>
         <p:spPr>
           <a:xfrm>
-            <a:off x="5284078" y="1061544"/>
-            <a:ext cx="2617074" cy="461665"/>
+            <a:off x="5294587" y="1059352"/>
+            <a:ext cx="677918" cy="461665"/>
           </a:xfrm>
           <a:prstGeom prst="rect">
             <a:avLst/>
@@ -3258,11 +3237,11 @@
           </a:bodyPr>
           <a:lstStyle/>
           <a:p>
-            <a:r>
-              <a:rPr lang="en-US" sz="2400" dirty="0" smtClean="0"/>
-              <a:t>   A       C      G       T</a:t>
-            </a:r>
-            <a:endParaRPr lang="en-US" sz="2400" dirty="0"/>
+            <a:pPr algn="ctr"/>
+            <a:r>
+              <a:rPr lang="en-US" sz="2400" dirty="0"/>
+              <a:t>A</a:t>
+            </a:r>
           </a:p>
         </p:txBody>
       </p:sp>
@@ -3422,36 +3401,6 @@
       </p:cxnSp>
       <p:sp>
         <p:nvSpPr>
-          <p:cNvPr id="60" name="TextBox 59"/>
-          <p:cNvSpPr txBox="1"/>
-          <p:nvPr/>
-        </p:nvSpPr>
-        <p:spPr>
-          <a:xfrm>
-            <a:off x="5284078" y="2171157"/>
-            <a:ext cx="2617074" cy="461665"/>
-          </a:xfrm>
-          <a:prstGeom prst="rect">
-            <a:avLst/>
-          </a:prstGeom>
-          <a:noFill/>
-        </p:spPr>
-        <p:txBody>
-          <a:bodyPr wrap="square" rtlCol="0">
-            <a:spAutoFit/>
-          </a:bodyPr>
-          <a:lstStyle/>
-          <a:p>
-            <a:r>
-              <a:rPr lang="en-US" sz="2400" dirty="0" smtClean="0"/>
-              <a:t>   A       C      G       T</a:t>
-            </a:r>
-            <a:endParaRPr lang="en-US" sz="2400" dirty="0"/>
-          </a:p>
-        </p:txBody>
-      </p:sp>
-      <p:sp>
-        <p:nvSpPr>
           <p:cNvPr id="61" name="Rectangle 60"/>
           <p:cNvSpPr/>
           <p:nvPr/>
@@ -3790,36 +3739,6 @@
           </a:fontRef>
         </p:style>
       </p:cxnSp>
-      <p:sp>
-        <p:nvSpPr>
-          <p:cNvPr id="71" name="TextBox 70"/>
-          <p:cNvSpPr txBox="1"/>
-          <p:nvPr/>
-        </p:nvSpPr>
-        <p:spPr>
-          <a:xfrm>
-            <a:off x="7625256" y="3280770"/>
-            <a:ext cx="2617074" cy="461665"/>
-          </a:xfrm>
-          <a:prstGeom prst="rect">
-            <a:avLst/>
-          </a:prstGeom>
-          <a:noFill/>
-        </p:spPr>
-        <p:txBody>
-          <a:bodyPr wrap="square" rtlCol="0">
-            <a:spAutoFit/>
-          </a:bodyPr>
-          <a:lstStyle/>
-          <a:p>
-            <a:r>
-              <a:rPr lang="en-US" sz="2400" dirty="0" smtClean="0"/>
-              <a:t>   A       C      G       T</a:t>
-            </a:r>
-            <a:endParaRPr lang="en-US" sz="2400" dirty="0"/>
-          </a:p>
-        </p:txBody>
-      </p:sp>
       <p:cxnSp>
         <p:nvCxnSpPr>
           <p:cNvPr id="72" name="Straight Arrow Connector 71"/>
@@ -4009,36 +3928,6 @@
           </a:fontRef>
         </p:style>
       </p:cxnSp>
-      <p:sp>
-        <p:nvSpPr>
-          <p:cNvPr id="78" name="TextBox 77"/>
-          <p:cNvSpPr txBox="1"/>
-          <p:nvPr/>
-        </p:nvSpPr>
-        <p:spPr>
-          <a:xfrm>
-            <a:off x="7635765" y="4392575"/>
-            <a:ext cx="2617074" cy="461665"/>
-          </a:xfrm>
-          <a:prstGeom prst="rect">
-            <a:avLst/>
-          </a:prstGeom>
-          <a:noFill/>
-        </p:spPr>
-        <p:txBody>
-          <a:bodyPr wrap="square" rtlCol="0">
-            <a:spAutoFit/>
-          </a:bodyPr>
-          <a:lstStyle/>
-          <a:p>
-            <a:r>
-              <a:rPr lang="en-US" sz="2400" dirty="0" smtClean="0"/>
-              <a:t>   A       C      G       T</a:t>
-            </a:r>
-            <a:endParaRPr lang="en-US" sz="2400" dirty="0"/>
-          </a:p>
-        </p:txBody>
-      </p:sp>
       <p:cxnSp>
         <p:nvCxnSpPr>
           <p:cNvPr id="79" name="Straight Arrow Connector 78"/>
@@ -4079,36 +3968,6 @@
       </p:cxnSp>
       <p:sp>
         <p:nvSpPr>
-          <p:cNvPr id="82" name="TextBox 81"/>
-          <p:cNvSpPr txBox="1"/>
-          <p:nvPr/>
-        </p:nvSpPr>
-        <p:spPr>
-          <a:xfrm>
-            <a:off x="2895604" y="3282962"/>
-            <a:ext cx="2617074" cy="461665"/>
-          </a:xfrm>
-          <a:prstGeom prst="rect">
-            <a:avLst/>
-          </a:prstGeom>
-          <a:noFill/>
-        </p:spPr>
-        <p:txBody>
-          <a:bodyPr wrap="square" rtlCol="0">
-            <a:spAutoFit/>
-          </a:bodyPr>
-          <a:lstStyle/>
-          <a:p>
-            <a:r>
-              <a:rPr lang="en-US" sz="2400" dirty="0" smtClean="0"/>
-              <a:t>   A       C      G       T</a:t>
-            </a:r>
-            <a:endParaRPr lang="en-US" sz="2400" dirty="0"/>
-          </a:p>
-        </p:txBody>
-      </p:sp>
-      <p:sp>
-        <p:nvSpPr>
           <p:cNvPr id="83" name="Rectangle 82"/>
           <p:cNvSpPr/>
           <p:nvPr/>
@@ -4258,36 +4117,6 @@
           </a:fontRef>
         </p:style>
       </p:cxnSp>
-      <p:sp>
-        <p:nvSpPr>
-          <p:cNvPr id="87" name="TextBox 86"/>
-          <p:cNvSpPr txBox="1"/>
-          <p:nvPr/>
-        </p:nvSpPr>
-        <p:spPr>
-          <a:xfrm>
-            <a:off x="1288266" y="4392575"/>
-            <a:ext cx="2617074" cy="461665"/>
-          </a:xfrm>
-          <a:prstGeom prst="rect">
-            <a:avLst/>
-          </a:prstGeom>
-          <a:noFill/>
-        </p:spPr>
-        <p:txBody>
-          <a:bodyPr wrap="square" rtlCol="0">
-            <a:spAutoFit/>
-          </a:bodyPr>
-          <a:lstStyle/>
-          <a:p>
-            <a:r>
-              <a:rPr lang="en-US" sz="2400" dirty="0" smtClean="0"/>
-              <a:t>   A       C      G       T</a:t>
-            </a:r>
-            <a:endParaRPr lang="en-US" sz="2400" dirty="0"/>
-          </a:p>
-        </p:txBody>
-      </p:sp>
       <p:cxnSp>
         <p:nvCxnSpPr>
           <p:cNvPr id="88" name="Straight Arrow Connector 87"/>
@@ -4477,36 +4306,6 @@
           </a:fontRef>
         </p:style>
       </p:cxnSp>
-      <p:sp>
-        <p:nvSpPr>
-          <p:cNvPr id="93" name="TextBox 92"/>
-          <p:cNvSpPr txBox="1"/>
-          <p:nvPr/>
-        </p:nvSpPr>
-        <p:spPr>
-          <a:xfrm>
-            <a:off x="4488104" y="4392575"/>
-            <a:ext cx="2617074" cy="461665"/>
-          </a:xfrm>
-          <a:prstGeom prst="rect">
-            <a:avLst/>
-          </a:prstGeom>
-          <a:noFill/>
-        </p:spPr>
-        <p:txBody>
-          <a:bodyPr wrap="square" rtlCol="0">
-            <a:spAutoFit/>
-          </a:bodyPr>
-          <a:lstStyle/>
-          <a:p>
-            <a:r>
-              <a:rPr lang="en-US" sz="2400" dirty="0" smtClean="0"/>
-              <a:t>   A       C      G       T</a:t>
-            </a:r>
-            <a:endParaRPr lang="en-US" sz="2400" dirty="0"/>
-          </a:p>
-        </p:txBody>
-      </p:sp>
       <p:cxnSp>
         <p:nvCxnSpPr>
           <p:cNvPr id="94" name="Straight Arrow Connector 93"/>
@@ -4545,6 +4344,978 @@
           </a:fontRef>
         </p:style>
       </p:cxnSp>
+      <p:sp>
+        <p:nvSpPr>
+          <p:cNvPr id="43" name="TextBox 42">
+            <a:extLst>
+              <a:ext uri="{FF2B5EF4-FFF2-40B4-BE49-F238E27FC236}">
+                <a16:creationId xmlns:a16="http://schemas.microsoft.com/office/drawing/2014/main" id="{0C321E1D-5EB0-E445-88D9-11CBF290B0BF}"/>
+              </a:ext>
+            </a:extLst>
+          </p:cNvPr>
+          <p:cNvSpPr txBox="1"/>
+          <p:nvPr/>
+        </p:nvSpPr>
+        <p:spPr>
+          <a:xfrm>
+            <a:off x="5961994" y="1057984"/>
+            <a:ext cx="646385" cy="461665"/>
+          </a:xfrm>
+          <a:prstGeom prst="rect">
+            <a:avLst/>
+          </a:prstGeom>
+          <a:noFill/>
+        </p:spPr>
+        <p:txBody>
+          <a:bodyPr wrap="square" rtlCol="0">
+            <a:spAutoFit/>
+          </a:bodyPr>
+          <a:lstStyle/>
+          <a:p>
+            <a:pPr algn="ctr"/>
+            <a:r>
+              <a:rPr lang="en-US" sz="2400" dirty="0"/>
+              <a:t>C</a:t>
+            </a:r>
+          </a:p>
+        </p:txBody>
+      </p:sp>
+      <p:sp>
+        <p:nvSpPr>
+          <p:cNvPr id="44" name="TextBox 43">
+            <a:extLst>
+              <a:ext uri="{FF2B5EF4-FFF2-40B4-BE49-F238E27FC236}">
+                <a16:creationId xmlns:a16="http://schemas.microsoft.com/office/drawing/2014/main" id="{8F7D77D4-1F9F-A54B-9433-BCEA80F7CF3D}"/>
+              </a:ext>
+            </a:extLst>
+          </p:cNvPr>
+          <p:cNvSpPr txBox="1"/>
+          <p:nvPr/>
+        </p:nvSpPr>
+        <p:spPr>
+          <a:xfrm>
+            <a:off x="6597869" y="1059351"/>
+            <a:ext cx="625366" cy="461665"/>
+          </a:xfrm>
+          <a:prstGeom prst="rect">
+            <a:avLst/>
+          </a:prstGeom>
+          <a:noFill/>
+        </p:spPr>
+        <p:txBody>
+          <a:bodyPr wrap="square" rtlCol="0">
+            <a:spAutoFit/>
+          </a:bodyPr>
+          <a:lstStyle/>
+          <a:p>
+            <a:pPr algn="ctr"/>
+            <a:r>
+              <a:rPr lang="en-US" sz="2400" dirty="0"/>
+              <a:t>G</a:t>
+            </a:r>
+          </a:p>
+        </p:txBody>
+      </p:sp>
+      <p:sp>
+        <p:nvSpPr>
+          <p:cNvPr id="45" name="TextBox 44">
+            <a:extLst>
+              <a:ext uri="{FF2B5EF4-FFF2-40B4-BE49-F238E27FC236}">
+                <a16:creationId xmlns:a16="http://schemas.microsoft.com/office/drawing/2014/main" id="{F03E9CF0-02F2-8442-BA83-4AEC409262D4}"/>
+              </a:ext>
+            </a:extLst>
+          </p:cNvPr>
+          <p:cNvSpPr txBox="1"/>
+          <p:nvPr/>
+        </p:nvSpPr>
+        <p:spPr>
+          <a:xfrm>
+            <a:off x="7223234" y="1057984"/>
+            <a:ext cx="677917" cy="461665"/>
+          </a:xfrm>
+          <a:prstGeom prst="rect">
+            <a:avLst/>
+          </a:prstGeom>
+          <a:noFill/>
+        </p:spPr>
+        <p:txBody>
+          <a:bodyPr wrap="square" rtlCol="0">
+            <a:spAutoFit/>
+          </a:bodyPr>
+          <a:lstStyle/>
+          <a:p>
+            <a:pPr algn="ctr"/>
+            <a:r>
+              <a:rPr lang="en-US" sz="2400" dirty="0"/>
+              <a:t>T</a:t>
+            </a:r>
+          </a:p>
+        </p:txBody>
+      </p:sp>
+      <p:sp>
+        <p:nvSpPr>
+          <p:cNvPr id="46" name="TextBox 45">
+            <a:extLst>
+              <a:ext uri="{FF2B5EF4-FFF2-40B4-BE49-F238E27FC236}">
+                <a16:creationId xmlns:a16="http://schemas.microsoft.com/office/drawing/2014/main" id="{88BE8724-F031-8247-B98A-C499CE32B2D8}"/>
+              </a:ext>
+            </a:extLst>
+          </p:cNvPr>
+          <p:cNvSpPr txBox="1"/>
+          <p:nvPr/>
+        </p:nvSpPr>
+        <p:spPr>
+          <a:xfrm>
+            <a:off x="5294587" y="2169788"/>
+            <a:ext cx="677918" cy="461665"/>
+          </a:xfrm>
+          <a:prstGeom prst="rect">
+            <a:avLst/>
+          </a:prstGeom>
+          <a:noFill/>
+        </p:spPr>
+        <p:txBody>
+          <a:bodyPr wrap="square" rtlCol="0">
+            <a:spAutoFit/>
+          </a:bodyPr>
+          <a:lstStyle/>
+          <a:p>
+            <a:pPr algn="ctr"/>
+            <a:r>
+              <a:rPr lang="en-US" sz="2400" dirty="0"/>
+              <a:t>A</a:t>
+            </a:r>
+          </a:p>
+        </p:txBody>
+      </p:sp>
+      <p:sp>
+        <p:nvSpPr>
+          <p:cNvPr id="47" name="TextBox 46">
+            <a:extLst>
+              <a:ext uri="{FF2B5EF4-FFF2-40B4-BE49-F238E27FC236}">
+                <a16:creationId xmlns:a16="http://schemas.microsoft.com/office/drawing/2014/main" id="{24B97B8A-1BD7-6D4E-A95C-0B1CFE434CE9}"/>
+              </a:ext>
+            </a:extLst>
+          </p:cNvPr>
+          <p:cNvSpPr txBox="1"/>
+          <p:nvPr/>
+        </p:nvSpPr>
+        <p:spPr>
+          <a:xfrm>
+            <a:off x="5961994" y="2168420"/>
+            <a:ext cx="646385" cy="461665"/>
+          </a:xfrm>
+          <a:prstGeom prst="rect">
+            <a:avLst/>
+          </a:prstGeom>
+          <a:noFill/>
+        </p:spPr>
+        <p:txBody>
+          <a:bodyPr wrap="square" rtlCol="0">
+            <a:spAutoFit/>
+          </a:bodyPr>
+          <a:lstStyle/>
+          <a:p>
+            <a:pPr algn="ctr"/>
+            <a:r>
+              <a:rPr lang="en-US" sz="2400" dirty="0"/>
+              <a:t>C</a:t>
+            </a:r>
+          </a:p>
+        </p:txBody>
+      </p:sp>
+      <p:sp>
+        <p:nvSpPr>
+          <p:cNvPr id="48" name="TextBox 47">
+            <a:extLst>
+              <a:ext uri="{FF2B5EF4-FFF2-40B4-BE49-F238E27FC236}">
+                <a16:creationId xmlns:a16="http://schemas.microsoft.com/office/drawing/2014/main" id="{978EAB6F-22E8-E74C-A6ED-1226FB5CC17E}"/>
+              </a:ext>
+            </a:extLst>
+          </p:cNvPr>
+          <p:cNvSpPr txBox="1"/>
+          <p:nvPr/>
+        </p:nvSpPr>
+        <p:spPr>
+          <a:xfrm>
+            <a:off x="6597869" y="2169787"/>
+            <a:ext cx="625366" cy="461665"/>
+          </a:xfrm>
+          <a:prstGeom prst="rect">
+            <a:avLst/>
+          </a:prstGeom>
+          <a:noFill/>
+        </p:spPr>
+        <p:txBody>
+          <a:bodyPr wrap="square" rtlCol="0">
+            <a:spAutoFit/>
+          </a:bodyPr>
+          <a:lstStyle/>
+          <a:p>
+            <a:pPr algn="ctr"/>
+            <a:r>
+              <a:rPr lang="en-US" sz="2400" dirty="0"/>
+              <a:t>G</a:t>
+            </a:r>
+          </a:p>
+        </p:txBody>
+      </p:sp>
+      <p:sp>
+        <p:nvSpPr>
+          <p:cNvPr id="49" name="TextBox 48">
+            <a:extLst>
+              <a:ext uri="{FF2B5EF4-FFF2-40B4-BE49-F238E27FC236}">
+                <a16:creationId xmlns:a16="http://schemas.microsoft.com/office/drawing/2014/main" id="{44B42127-29BE-6D44-8121-E5C8AEA664C8}"/>
+              </a:ext>
+            </a:extLst>
+          </p:cNvPr>
+          <p:cNvSpPr txBox="1"/>
+          <p:nvPr/>
+        </p:nvSpPr>
+        <p:spPr>
+          <a:xfrm>
+            <a:off x="7223234" y="2168420"/>
+            <a:ext cx="677917" cy="461665"/>
+          </a:xfrm>
+          <a:prstGeom prst="rect">
+            <a:avLst/>
+          </a:prstGeom>
+          <a:noFill/>
+        </p:spPr>
+        <p:txBody>
+          <a:bodyPr wrap="square" rtlCol="0">
+            <a:spAutoFit/>
+          </a:bodyPr>
+          <a:lstStyle/>
+          <a:p>
+            <a:pPr algn="ctr"/>
+            <a:r>
+              <a:rPr lang="en-US" sz="2400" dirty="0"/>
+              <a:t>T</a:t>
+            </a:r>
+          </a:p>
+        </p:txBody>
+      </p:sp>
+      <p:sp>
+        <p:nvSpPr>
+          <p:cNvPr id="50" name="TextBox 49">
+            <a:extLst>
+              <a:ext uri="{FF2B5EF4-FFF2-40B4-BE49-F238E27FC236}">
+                <a16:creationId xmlns:a16="http://schemas.microsoft.com/office/drawing/2014/main" id="{1CC94AA2-93D9-BF44-84C5-26834E70AA67}"/>
+              </a:ext>
+            </a:extLst>
+          </p:cNvPr>
+          <p:cNvSpPr txBox="1"/>
+          <p:nvPr/>
+        </p:nvSpPr>
+        <p:spPr>
+          <a:xfrm>
+            <a:off x="2910174" y="3280769"/>
+            <a:ext cx="677918" cy="461665"/>
+          </a:xfrm>
+          <a:prstGeom prst="rect">
+            <a:avLst/>
+          </a:prstGeom>
+          <a:noFill/>
+        </p:spPr>
+        <p:txBody>
+          <a:bodyPr wrap="square" rtlCol="0">
+            <a:spAutoFit/>
+          </a:bodyPr>
+          <a:lstStyle/>
+          <a:p>
+            <a:pPr algn="ctr"/>
+            <a:r>
+              <a:rPr lang="en-US" sz="2400" dirty="0"/>
+              <a:t>A</a:t>
+            </a:r>
+          </a:p>
+        </p:txBody>
+      </p:sp>
+      <p:sp>
+        <p:nvSpPr>
+          <p:cNvPr id="51" name="TextBox 50">
+            <a:extLst>
+              <a:ext uri="{FF2B5EF4-FFF2-40B4-BE49-F238E27FC236}">
+                <a16:creationId xmlns:a16="http://schemas.microsoft.com/office/drawing/2014/main" id="{FB9D9C88-44E5-CE43-B571-E8D4A96408C3}"/>
+              </a:ext>
+            </a:extLst>
+          </p:cNvPr>
+          <p:cNvSpPr txBox="1"/>
+          <p:nvPr/>
+        </p:nvSpPr>
+        <p:spPr>
+          <a:xfrm>
+            <a:off x="3577581" y="3279401"/>
+            <a:ext cx="646385" cy="461665"/>
+          </a:xfrm>
+          <a:prstGeom prst="rect">
+            <a:avLst/>
+          </a:prstGeom>
+          <a:noFill/>
+        </p:spPr>
+        <p:txBody>
+          <a:bodyPr wrap="square" rtlCol="0">
+            <a:spAutoFit/>
+          </a:bodyPr>
+          <a:lstStyle/>
+          <a:p>
+            <a:pPr algn="ctr"/>
+            <a:r>
+              <a:rPr lang="en-US" sz="2400" dirty="0"/>
+              <a:t>C</a:t>
+            </a:r>
+          </a:p>
+        </p:txBody>
+      </p:sp>
+      <p:sp>
+        <p:nvSpPr>
+          <p:cNvPr id="52" name="TextBox 51">
+            <a:extLst>
+              <a:ext uri="{FF2B5EF4-FFF2-40B4-BE49-F238E27FC236}">
+                <a16:creationId xmlns:a16="http://schemas.microsoft.com/office/drawing/2014/main" id="{EA79B1BA-B357-5844-A700-D8DED698F832}"/>
+              </a:ext>
+            </a:extLst>
+          </p:cNvPr>
+          <p:cNvSpPr txBox="1"/>
+          <p:nvPr/>
+        </p:nvSpPr>
+        <p:spPr>
+          <a:xfrm>
+            <a:off x="4213456" y="3280768"/>
+            <a:ext cx="625366" cy="461665"/>
+          </a:xfrm>
+          <a:prstGeom prst="rect">
+            <a:avLst/>
+          </a:prstGeom>
+          <a:noFill/>
+        </p:spPr>
+        <p:txBody>
+          <a:bodyPr wrap="square" rtlCol="0">
+            <a:spAutoFit/>
+          </a:bodyPr>
+          <a:lstStyle/>
+          <a:p>
+            <a:pPr algn="ctr"/>
+            <a:r>
+              <a:rPr lang="en-US" sz="2400" dirty="0"/>
+              <a:t>G</a:t>
+            </a:r>
+          </a:p>
+        </p:txBody>
+      </p:sp>
+      <p:sp>
+        <p:nvSpPr>
+          <p:cNvPr id="53" name="TextBox 52">
+            <a:extLst>
+              <a:ext uri="{FF2B5EF4-FFF2-40B4-BE49-F238E27FC236}">
+                <a16:creationId xmlns:a16="http://schemas.microsoft.com/office/drawing/2014/main" id="{24491C12-FD83-6F4E-9FAD-C3C759822F51}"/>
+              </a:ext>
+            </a:extLst>
+          </p:cNvPr>
+          <p:cNvSpPr txBox="1"/>
+          <p:nvPr/>
+        </p:nvSpPr>
+        <p:spPr>
+          <a:xfrm>
+            <a:off x="4838821" y="3279401"/>
+            <a:ext cx="677917" cy="461665"/>
+          </a:xfrm>
+          <a:prstGeom prst="rect">
+            <a:avLst/>
+          </a:prstGeom>
+          <a:noFill/>
+        </p:spPr>
+        <p:txBody>
+          <a:bodyPr wrap="square" rtlCol="0">
+            <a:spAutoFit/>
+          </a:bodyPr>
+          <a:lstStyle/>
+          <a:p>
+            <a:pPr algn="ctr"/>
+            <a:r>
+              <a:rPr lang="en-US" sz="2400" dirty="0"/>
+              <a:t>T</a:t>
+            </a:r>
+          </a:p>
+        </p:txBody>
+      </p:sp>
+      <p:sp>
+        <p:nvSpPr>
+          <p:cNvPr id="54" name="TextBox 53">
+            <a:extLst>
+              <a:ext uri="{FF2B5EF4-FFF2-40B4-BE49-F238E27FC236}">
+                <a16:creationId xmlns:a16="http://schemas.microsoft.com/office/drawing/2014/main" id="{EC44245B-CD56-3048-B685-3D5011C923C3}"/>
+              </a:ext>
+            </a:extLst>
+          </p:cNvPr>
+          <p:cNvSpPr txBox="1"/>
+          <p:nvPr/>
+        </p:nvSpPr>
+        <p:spPr>
+          <a:xfrm>
+            <a:off x="7646276" y="3279401"/>
+            <a:ext cx="677918" cy="461665"/>
+          </a:xfrm>
+          <a:prstGeom prst="rect">
+            <a:avLst/>
+          </a:prstGeom>
+          <a:noFill/>
+        </p:spPr>
+        <p:txBody>
+          <a:bodyPr wrap="square" rtlCol="0">
+            <a:spAutoFit/>
+          </a:bodyPr>
+          <a:lstStyle/>
+          <a:p>
+            <a:pPr algn="ctr"/>
+            <a:r>
+              <a:rPr lang="en-US" sz="2400" dirty="0"/>
+              <a:t>A</a:t>
+            </a:r>
+          </a:p>
+        </p:txBody>
+      </p:sp>
+      <p:sp>
+        <p:nvSpPr>
+          <p:cNvPr id="55" name="TextBox 54">
+            <a:extLst>
+              <a:ext uri="{FF2B5EF4-FFF2-40B4-BE49-F238E27FC236}">
+                <a16:creationId xmlns:a16="http://schemas.microsoft.com/office/drawing/2014/main" id="{92B125DF-53A1-FB4B-B303-27CFD3D913E5}"/>
+              </a:ext>
+            </a:extLst>
+          </p:cNvPr>
+          <p:cNvSpPr txBox="1"/>
+          <p:nvPr/>
+        </p:nvSpPr>
+        <p:spPr>
+          <a:xfrm>
+            <a:off x="8313683" y="3278033"/>
+            <a:ext cx="646385" cy="461665"/>
+          </a:xfrm>
+          <a:prstGeom prst="rect">
+            <a:avLst/>
+          </a:prstGeom>
+          <a:noFill/>
+        </p:spPr>
+        <p:txBody>
+          <a:bodyPr wrap="square" rtlCol="0">
+            <a:spAutoFit/>
+          </a:bodyPr>
+          <a:lstStyle/>
+          <a:p>
+            <a:pPr algn="ctr"/>
+            <a:r>
+              <a:rPr lang="en-US" sz="2400" dirty="0"/>
+              <a:t>C</a:t>
+            </a:r>
+          </a:p>
+        </p:txBody>
+      </p:sp>
+      <p:sp>
+        <p:nvSpPr>
+          <p:cNvPr id="65" name="TextBox 64">
+            <a:extLst>
+              <a:ext uri="{FF2B5EF4-FFF2-40B4-BE49-F238E27FC236}">
+                <a16:creationId xmlns:a16="http://schemas.microsoft.com/office/drawing/2014/main" id="{A33D0A76-154E-4547-8652-6D795E4297BA}"/>
+              </a:ext>
+            </a:extLst>
+          </p:cNvPr>
+          <p:cNvSpPr txBox="1"/>
+          <p:nvPr/>
+        </p:nvSpPr>
+        <p:spPr>
+          <a:xfrm>
+            <a:off x="8949558" y="3279400"/>
+            <a:ext cx="625366" cy="461665"/>
+          </a:xfrm>
+          <a:prstGeom prst="rect">
+            <a:avLst/>
+          </a:prstGeom>
+          <a:noFill/>
+        </p:spPr>
+        <p:txBody>
+          <a:bodyPr wrap="square" rtlCol="0">
+            <a:spAutoFit/>
+          </a:bodyPr>
+          <a:lstStyle/>
+          <a:p>
+            <a:pPr algn="ctr"/>
+            <a:r>
+              <a:rPr lang="en-US" sz="2400" dirty="0"/>
+              <a:t>G</a:t>
+            </a:r>
+          </a:p>
+        </p:txBody>
+      </p:sp>
+      <p:sp>
+        <p:nvSpPr>
+          <p:cNvPr id="73" name="TextBox 72">
+            <a:extLst>
+              <a:ext uri="{FF2B5EF4-FFF2-40B4-BE49-F238E27FC236}">
+                <a16:creationId xmlns:a16="http://schemas.microsoft.com/office/drawing/2014/main" id="{70FBE08E-3297-EA4B-B466-06839B36BABA}"/>
+              </a:ext>
+            </a:extLst>
+          </p:cNvPr>
+          <p:cNvSpPr txBox="1"/>
+          <p:nvPr/>
+        </p:nvSpPr>
+        <p:spPr>
+          <a:xfrm>
+            <a:off x="9574923" y="3278033"/>
+            <a:ext cx="677917" cy="461665"/>
+          </a:xfrm>
+          <a:prstGeom prst="rect">
+            <a:avLst/>
+          </a:prstGeom>
+          <a:noFill/>
+        </p:spPr>
+        <p:txBody>
+          <a:bodyPr wrap="square" rtlCol="0">
+            <a:spAutoFit/>
+          </a:bodyPr>
+          <a:lstStyle/>
+          <a:p>
+            <a:pPr algn="ctr"/>
+            <a:r>
+              <a:rPr lang="en-US" sz="2400" dirty="0"/>
+              <a:t>T</a:t>
+            </a:r>
+          </a:p>
+        </p:txBody>
+      </p:sp>
+      <p:sp>
+        <p:nvSpPr>
+          <p:cNvPr id="80" name="TextBox 79">
+            <a:extLst>
+              <a:ext uri="{FF2B5EF4-FFF2-40B4-BE49-F238E27FC236}">
+                <a16:creationId xmlns:a16="http://schemas.microsoft.com/office/drawing/2014/main" id="{3A361E1A-2DF8-874A-BF66-05D1BA85CA69}"/>
+              </a:ext>
+            </a:extLst>
+          </p:cNvPr>
+          <p:cNvSpPr txBox="1"/>
+          <p:nvPr/>
+        </p:nvSpPr>
+        <p:spPr>
+          <a:xfrm>
+            <a:off x="1298776" y="4413427"/>
+            <a:ext cx="677918" cy="461665"/>
+          </a:xfrm>
+          <a:prstGeom prst="rect">
+            <a:avLst/>
+          </a:prstGeom>
+          <a:noFill/>
+        </p:spPr>
+        <p:txBody>
+          <a:bodyPr wrap="square" rtlCol="0">
+            <a:spAutoFit/>
+          </a:bodyPr>
+          <a:lstStyle/>
+          <a:p>
+            <a:pPr algn="ctr"/>
+            <a:r>
+              <a:rPr lang="en-US" sz="2400" dirty="0"/>
+              <a:t>A</a:t>
+            </a:r>
+          </a:p>
+        </p:txBody>
+      </p:sp>
+      <p:sp>
+        <p:nvSpPr>
+          <p:cNvPr id="81" name="TextBox 80">
+            <a:extLst>
+              <a:ext uri="{FF2B5EF4-FFF2-40B4-BE49-F238E27FC236}">
+                <a16:creationId xmlns:a16="http://schemas.microsoft.com/office/drawing/2014/main" id="{2D54D806-08D0-6042-9ED1-025431C43598}"/>
+              </a:ext>
+            </a:extLst>
+          </p:cNvPr>
+          <p:cNvSpPr txBox="1"/>
+          <p:nvPr/>
+        </p:nvSpPr>
+        <p:spPr>
+          <a:xfrm>
+            <a:off x="1966183" y="4412059"/>
+            <a:ext cx="646385" cy="461665"/>
+          </a:xfrm>
+          <a:prstGeom prst="rect">
+            <a:avLst/>
+          </a:prstGeom>
+          <a:noFill/>
+        </p:spPr>
+        <p:txBody>
+          <a:bodyPr wrap="square" rtlCol="0">
+            <a:spAutoFit/>
+          </a:bodyPr>
+          <a:lstStyle/>
+          <a:p>
+            <a:pPr algn="ctr"/>
+            <a:r>
+              <a:rPr lang="en-US" sz="2400" dirty="0"/>
+              <a:t>C</a:t>
+            </a:r>
+          </a:p>
+        </p:txBody>
+      </p:sp>
+      <p:sp>
+        <p:nvSpPr>
+          <p:cNvPr id="95" name="TextBox 94">
+            <a:extLst>
+              <a:ext uri="{FF2B5EF4-FFF2-40B4-BE49-F238E27FC236}">
+                <a16:creationId xmlns:a16="http://schemas.microsoft.com/office/drawing/2014/main" id="{02AEF8CF-9719-6049-A804-18CAE7C8C342}"/>
+              </a:ext>
+            </a:extLst>
+          </p:cNvPr>
+          <p:cNvSpPr txBox="1"/>
+          <p:nvPr/>
+        </p:nvSpPr>
+        <p:spPr>
+          <a:xfrm>
+            <a:off x="2602058" y="4413426"/>
+            <a:ext cx="625366" cy="461665"/>
+          </a:xfrm>
+          <a:prstGeom prst="rect">
+            <a:avLst/>
+          </a:prstGeom>
+          <a:noFill/>
+        </p:spPr>
+        <p:txBody>
+          <a:bodyPr wrap="square" rtlCol="0">
+            <a:spAutoFit/>
+          </a:bodyPr>
+          <a:lstStyle/>
+          <a:p>
+            <a:pPr algn="ctr"/>
+            <a:r>
+              <a:rPr lang="en-US" sz="2400" dirty="0"/>
+              <a:t>G</a:t>
+            </a:r>
+          </a:p>
+        </p:txBody>
+      </p:sp>
+      <p:sp>
+        <p:nvSpPr>
+          <p:cNvPr id="96" name="TextBox 95">
+            <a:extLst>
+              <a:ext uri="{FF2B5EF4-FFF2-40B4-BE49-F238E27FC236}">
+                <a16:creationId xmlns:a16="http://schemas.microsoft.com/office/drawing/2014/main" id="{8EA0612D-3CE8-6F49-B213-B4D25BC628AA}"/>
+              </a:ext>
+            </a:extLst>
+          </p:cNvPr>
+          <p:cNvSpPr txBox="1"/>
+          <p:nvPr/>
+        </p:nvSpPr>
+        <p:spPr>
+          <a:xfrm>
+            <a:off x="3227423" y="4412059"/>
+            <a:ext cx="677917" cy="461665"/>
+          </a:xfrm>
+          <a:prstGeom prst="rect">
+            <a:avLst/>
+          </a:prstGeom>
+          <a:noFill/>
+        </p:spPr>
+        <p:txBody>
+          <a:bodyPr wrap="square" rtlCol="0">
+            <a:spAutoFit/>
+          </a:bodyPr>
+          <a:lstStyle/>
+          <a:p>
+            <a:pPr algn="ctr"/>
+            <a:r>
+              <a:rPr lang="en-US" sz="2400" dirty="0"/>
+              <a:t>T</a:t>
+            </a:r>
+          </a:p>
+        </p:txBody>
+      </p:sp>
+      <p:sp>
+        <p:nvSpPr>
+          <p:cNvPr id="97" name="TextBox 96">
+            <a:extLst>
+              <a:ext uri="{FF2B5EF4-FFF2-40B4-BE49-F238E27FC236}">
+                <a16:creationId xmlns:a16="http://schemas.microsoft.com/office/drawing/2014/main" id="{9B4C5C82-30AC-534E-A246-25AB4A92323E}"/>
+              </a:ext>
+            </a:extLst>
+          </p:cNvPr>
+          <p:cNvSpPr txBox="1"/>
+          <p:nvPr/>
+        </p:nvSpPr>
+        <p:spPr>
+          <a:xfrm>
+            <a:off x="4498614" y="4412059"/>
+            <a:ext cx="677918" cy="461665"/>
+          </a:xfrm>
+          <a:prstGeom prst="rect">
+            <a:avLst/>
+          </a:prstGeom>
+          <a:noFill/>
+        </p:spPr>
+        <p:txBody>
+          <a:bodyPr wrap="square" rtlCol="0">
+            <a:spAutoFit/>
+          </a:bodyPr>
+          <a:lstStyle/>
+          <a:p>
+            <a:pPr algn="ctr"/>
+            <a:r>
+              <a:rPr lang="en-US" sz="2400" dirty="0"/>
+              <a:t>A</a:t>
+            </a:r>
+          </a:p>
+        </p:txBody>
+      </p:sp>
+      <p:sp>
+        <p:nvSpPr>
+          <p:cNvPr id="98" name="TextBox 97">
+            <a:extLst>
+              <a:ext uri="{FF2B5EF4-FFF2-40B4-BE49-F238E27FC236}">
+                <a16:creationId xmlns:a16="http://schemas.microsoft.com/office/drawing/2014/main" id="{1D0B9306-8C11-8444-ACE4-9B6A2ED02440}"/>
+              </a:ext>
+            </a:extLst>
+          </p:cNvPr>
+          <p:cNvSpPr txBox="1"/>
+          <p:nvPr/>
+        </p:nvSpPr>
+        <p:spPr>
+          <a:xfrm>
+            <a:off x="5166021" y="4410691"/>
+            <a:ext cx="646385" cy="461665"/>
+          </a:xfrm>
+          <a:prstGeom prst="rect">
+            <a:avLst/>
+          </a:prstGeom>
+          <a:noFill/>
+        </p:spPr>
+        <p:txBody>
+          <a:bodyPr wrap="square" rtlCol="0">
+            <a:spAutoFit/>
+          </a:bodyPr>
+          <a:lstStyle/>
+          <a:p>
+            <a:pPr algn="ctr"/>
+            <a:r>
+              <a:rPr lang="en-US" sz="2400" dirty="0"/>
+              <a:t>C</a:t>
+            </a:r>
+          </a:p>
+        </p:txBody>
+      </p:sp>
+      <p:sp>
+        <p:nvSpPr>
+          <p:cNvPr id="99" name="TextBox 98">
+            <a:extLst>
+              <a:ext uri="{FF2B5EF4-FFF2-40B4-BE49-F238E27FC236}">
+                <a16:creationId xmlns:a16="http://schemas.microsoft.com/office/drawing/2014/main" id="{F32816C0-A0B4-BB4A-B0B1-CB4CBFB7C58C}"/>
+              </a:ext>
+            </a:extLst>
+          </p:cNvPr>
+          <p:cNvSpPr txBox="1"/>
+          <p:nvPr/>
+        </p:nvSpPr>
+        <p:spPr>
+          <a:xfrm>
+            <a:off x="5801896" y="4412058"/>
+            <a:ext cx="625366" cy="461665"/>
+          </a:xfrm>
+          <a:prstGeom prst="rect">
+            <a:avLst/>
+          </a:prstGeom>
+          <a:noFill/>
+        </p:spPr>
+        <p:txBody>
+          <a:bodyPr wrap="square" rtlCol="0">
+            <a:spAutoFit/>
+          </a:bodyPr>
+          <a:lstStyle/>
+          <a:p>
+            <a:pPr algn="ctr"/>
+            <a:r>
+              <a:rPr lang="en-US" sz="2400" dirty="0"/>
+              <a:t>G</a:t>
+            </a:r>
+          </a:p>
+        </p:txBody>
+      </p:sp>
+      <p:sp>
+        <p:nvSpPr>
+          <p:cNvPr id="100" name="TextBox 99">
+            <a:extLst>
+              <a:ext uri="{FF2B5EF4-FFF2-40B4-BE49-F238E27FC236}">
+                <a16:creationId xmlns:a16="http://schemas.microsoft.com/office/drawing/2014/main" id="{13F51EE0-E3AB-B445-A37D-B3C1DE9585FA}"/>
+              </a:ext>
+            </a:extLst>
+          </p:cNvPr>
+          <p:cNvSpPr txBox="1"/>
+          <p:nvPr/>
+        </p:nvSpPr>
+        <p:spPr>
+          <a:xfrm>
+            <a:off x="6427261" y="4410691"/>
+            <a:ext cx="677917" cy="461665"/>
+          </a:xfrm>
+          <a:prstGeom prst="rect">
+            <a:avLst/>
+          </a:prstGeom>
+          <a:noFill/>
+        </p:spPr>
+        <p:txBody>
+          <a:bodyPr wrap="square" rtlCol="0">
+            <a:spAutoFit/>
+          </a:bodyPr>
+          <a:lstStyle/>
+          <a:p>
+            <a:pPr algn="ctr"/>
+            <a:r>
+              <a:rPr lang="en-US" sz="2400" dirty="0"/>
+              <a:t>T</a:t>
+            </a:r>
+          </a:p>
+        </p:txBody>
+      </p:sp>
+      <p:sp>
+        <p:nvSpPr>
+          <p:cNvPr id="101" name="TextBox 100">
+            <a:extLst>
+              <a:ext uri="{FF2B5EF4-FFF2-40B4-BE49-F238E27FC236}">
+                <a16:creationId xmlns:a16="http://schemas.microsoft.com/office/drawing/2014/main" id="{26BA5B4C-EF45-084E-AC84-65A34849A75A}"/>
+              </a:ext>
+            </a:extLst>
+          </p:cNvPr>
+          <p:cNvSpPr txBox="1"/>
+          <p:nvPr/>
+        </p:nvSpPr>
+        <p:spPr>
+          <a:xfrm>
+            <a:off x="7635766" y="4412059"/>
+            <a:ext cx="677918" cy="461665"/>
+          </a:xfrm>
+          <a:prstGeom prst="rect">
+            <a:avLst/>
+          </a:prstGeom>
+          <a:noFill/>
+        </p:spPr>
+        <p:txBody>
+          <a:bodyPr wrap="square" rtlCol="0">
+            <a:spAutoFit/>
+          </a:bodyPr>
+          <a:lstStyle/>
+          <a:p>
+            <a:pPr algn="ctr"/>
+            <a:r>
+              <a:rPr lang="en-US" sz="2400" dirty="0"/>
+              <a:t>A</a:t>
+            </a:r>
+          </a:p>
+        </p:txBody>
+      </p:sp>
+      <p:sp>
+        <p:nvSpPr>
+          <p:cNvPr id="102" name="TextBox 101">
+            <a:extLst>
+              <a:ext uri="{FF2B5EF4-FFF2-40B4-BE49-F238E27FC236}">
+                <a16:creationId xmlns:a16="http://schemas.microsoft.com/office/drawing/2014/main" id="{15B000B0-FBD4-B847-974E-19D821AC66DC}"/>
+              </a:ext>
+            </a:extLst>
+          </p:cNvPr>
+          <p:cNvSpPr txBox="1"/>
+          <p:nvPr/>
+        </p:nvSpPr>
+        <p:spPr>
+          <a:xfrm>
+            <a:off x="8303173" y="4410691"/>
+            <a:ext cx="646385" cy="461665"/>
+          </a:xfrm>
+          <a:prstGeom prst="rect">
+            <a:avLst/>
+          </a:prstGeom>
+          <a:noFill/>
+        </p:spPr>
+        <p:txBody>
+          <a:bodyPr wrap="square" rtlCol="0">
+            <a:spAutoFit/>
+          </a:bodyPr>
+          <a:lstStyle/>
+          <a:p>
+            <a:pPr algn="ctr"/>
+            <a:r>
+              <a:rPr lang="en-US" sz="2400" dirty="0"/>
+              <a:t>C</a:t>
+            </a:r>
+          </a:p>
+        </p:txBody>
+      </p:sp>
+      <p:sp>
+        <p:nvSpPr>
+          <p:cNvPr id="103" name="TextBox 102">
+            <a:extLst>
+              <a:ext uri="{FF2B5EF4-FFF2-40B4-BE49-F238E27FC236}">
+                <a16:creationId xmlns:a16="http://schemas.microsoft.com/office/drawing/2014/main" id="{6A5240D5-388C-5F47-99D9-D2755078A4BE}"/>
+              </a:ext>
+            </a:extLst>
+          </p:cNvPr>
+          <p:cNvSpPr txBox="1"/>
+          <p:nvPr/>
+        </p:nvSpPr>
+        <p:spPr>
+          <a:xfrm>
+            <a:off x="8939048" y="4412058"/>
+            <a:ext cx="625366" cy="461665"/>
+          </a:xfrm>
+          <a:prstGeom prst="rect">
+            <a:avLst/>
+          </a:prstGeom>
+          <a:noFill/>
+        </p:spPr>
+        <p:txBody>
+          <a:bodyPr wrap="square" rtlCol="0">
+            <a:spAutoFit/>
+          </a:bodyPr>
+          <a:lstStyle/>
+          <a:p>
+            <a:pPr algn="ctr"/>
+            <a:r>
+              <a:rPr lang="en-US" sz="2400" dirty="0"/>
+              <a:t>G</a:t>
+            </a:r>
+          </a:p>
+        </p:txBody>
+      </p:sp>
+      <p:sp>
+        <p:nvSpPr>
+          <p:cNvPr id="104" name="TextBox 103">
+            <a:extLst>
+              <a:ext uri="{FF2B5EF4-FFF2-40B4-BE49-F238E27FC236}">
+                <a16:creationId xmlns:a16="http://schemas.microsoft.com/office/drawing/2014/main" id="{5D0C1608-01B3-414B-9352-28A69D08F116}"/>
+              </a:ext>
+            </a:extLst>
+          </p:cNvPr>
+          <p:cNvSpPr txBox="1"/>
+          <p:nvPr/>
+        </p:nvSpPr>
+        <p:spPr>
+          <a:xfrm>
+            <a:off x="9564413" y="4410691"/>
+            <a:ext cx="677917" cy="461665"/>
+          </a:xfrm>
+          <a:prstGeom prst="rect">
+            <a:avLst/>
+          </a:prstGeom>
+          <a:noFill/>
+        </p:spPr>
+        <p:txBody>
+          <a:bodyPr wrap="square" rtlCol="0">
+            <a:spAutoFit/>
+          </a:bodyPr>
+          <a:lstStyle/>
+          <a:p>
+            <a:pPr algn="ctr"/>
+            <a:r>
+              <a:rPr lang="en-US" sz="2400" dirty="0"/>
+              <a:t>T</a:t>
+            </a:r>
+          </a:p>
+        </p:txBody>
+      </p:sp>
     </p:spTree>
     <p:extLst>
       <p:ext uri="{BB962C8B-B14F-4D97-AF65-F5344CB8AC3E}">
@@ -4826,10 +5597,9 @@
           <a:lstStyle/>
           <a:p>
             <a:r>
-              <a:rPr lang="en-US" sz="2800" dirty="0" smtClean="0"/>
+              <a:rPr lang="en-US" sz="2800" dirty="0"/>
               <a:t>0</a:t>
             </a:r>
-            <a:endParaRPr lang="en-US" sz="2800" dirty="0"/>
           </a:p>
         </p:txBody>
       </p:sp>
@@ -4856,10 +5626,9 @@
           <a:lstStyle/>
           <a:p>
             <a:r>
-              <a:rPr lang="en-US" sz="2800" dirty="0" smtClean="0"/>
+              <a:rPr lang="en-US" sz="2800" dirty="0"/>
               <a:t>1</a:t>
             </a:r>
-            <a:endParaRPr lang="en-US" sz="2800" dirty="0"/>
           </a:p>
         </p:txBody>
       </p:sp>
@@ -4975,10 +5744,9 @@
           <a:lstStyle/>
           <a:p>
             <a:r>
-              <a:rPr lang="en-US" sz="2800" dirty="0" smtClean="0"/>
+              <a:rPr lang="en-US" sz="2800" dirty="0"/>
               <a:t>0</a:t>
             </a:r>
-            <a:endParaRPr lang="en-US" sz="2800" dirty="0"/>
           </a:p>
         </p:txBody>
       </p:sp>
@@ -5094,10 +5862,9 @@
           <a:lstStyle/>
           <a:p>
             <a:r>
-              <a:rPr lang="en-US" sz="2800" dirty="0" smtClean="0"/>
+              <a:rPr lang="en-US" sz="2800" dirty="0"/>
               <a:t>0</a:t>
             </a:r>
-            <a:endParaRPr lang="en-US" sz="2800" dirty="0"/>
           </a:p>
         </p:txBody>
       </p:sp>
@@ -5213,10 +5980,9 @@
           <a:lstStyle/>
           <a:p>
             <a:r>
-              <a:rPr lang="en-US" sz="2800" dirty="0" smtClean="0"/>
+              <a:rPr lang="en-US" sz="2800" dirty="0"/>
               <a:t>1</a:t>
             </a:r>
-            <a:endParaRPr lang="en-US" sz="2800" dirty="0"/>
           </a:p>
         </p:txBody>
       </p:sp>
@@ -5412,10 +6178,9 @@
           <a:lstStyle/>
           <a:p>
             <a:r>
-              <a:rPr lang="en-US" sz="2800" dirty="0" smtClean="0"/>
+              <a:rPr lang="en-US" sz="2800" dirty="0"/>
               <a:t>c</a:t>
             </a:r>
-            <a:endParaRPr lang="en-US" sz="2800" dirty="0"/>
           </a:p>
         </p:txBody>
       </p:sp>
@@ -5531,10 +6296,9 @@
           <a:lstStyle/>
           <a:p>
             <a:r>
-              <a:rPr lang="en-US" sz="2800" dirty="0" smtClean="0"/>
+              <a:rPr lang="en-US" sz="2800" dirty="0"/>
               <a:t>a</a:t>
             </a:r>
-            <a:endParaRPr lang="en-US" sz="2800" dirty="0"/>
           </a:p>
         </p:txBody>
       </p:sp>
@@ -5650,10 +6414,9 @@
           <a:lstStyle/>
           <a:p>
             <a:r>
-              <a:rPr lang="en-US" sz="2800" dirty="0" smtClean="0"/>
+              <a:rPr lang="en-US" sz="2800" dirty="0"/>
               <a:t>r</a:t>
             </a:r>
-            <a:endParaRPr lang="en-US" sz="2800" dirty="0"/>
           </a:p>
         </p:txBody>
       </p:sp>
@@ -5768,10 +6531,9 @@
           <a:lstStyle/>
           <a:p>
             <a:r>
-              <a:rPr lang="en-US" sz="2800" dirty="0" smtClean="0"/>
+              <a:rPr lang="en-US" sz="2800" dirty="0"/>
               <a:t>n</a:t>
             </a:r>
-            <a:endParaRPr lang="en-US" sz="2800" dirty="0"/>
           </a:p>
         </p:txBody>
       </p:sp>
@@ -5886,10 +6648,9 @@
           <a:lstStyle/>
           <a:p>
             <a:r>
-              <a:rPr lang="en-US" sz="2800" dirty="0" smtClean="0"/>
+              <a:rPr lang="en-US" sz="2800" dirty="0"/>
               <a:t>r</a:t>
             </a:r>
-            <a:endParaRPr lang="en-US" sz="2800" dirty="0"/>
           </a:p>
         </p:txBody>
       </p:sp>
@@ -6005,10 +6766,9 @@
           <a:lstStyle/>
           <a:p>
             <a:r>
-              <a:rPr lang="en-US" sz="2800" dirty="0" smtClean="0"/>
+              <a:rPr lang="en-US" sz="2800" dirty="0"/>
               <a:t>y</a:t>
             </a:r>
-            <a:endParaRPr lang="en-US" sz="2800" dirty="0"/>
           </a:p>
         </p:txBody>
       </p:sp>
@@ -6206,10 +6966,9 @@
           <a:lstStyle/>
           <a:p>
             <a:r>
-              <a:rPr lang="en-US" sz="2800" dirty="0" smtClean="0"/>
+              <a:rPr lang="en-US" sz="2800" dirty="0"/>
               <a:t>a</a:t>
             </a:r>
-            <a:endParaRPr lang="en-US" sz="2800" dirty="0"/>
           </a:p>
         </p:txBody>
       </p:sp>
@@ -6325,10 +7084,9 @@
           <a:lstStyle/>
           <a:p>
             <a:r>
-              <a:rPr lang="en-US" sz="2800" dirty="0" smtClean="0"/>
+              <a:rPr lang="en-US" sz="2800" dirty="0"/>
               <a:t>t</a:t>
             </a:r>
-            <a:endParaRPr lang="en-US" sz="2800" dirty="0"/>
           </a:p>
         </p:txBody>
       </p:sp>
@@ -6444,10 +7202,9 @@
           <a:lstStyle/>
           <a:p>
             <a:r>
-              <a:rPr lang="en-US" sz="2800" dirty="0" smtClean="0"/>
+              <a:rPr lang="en-US" sz="2800" dirty="0"/>
               <a:t>e</a:t>
             </a:r>
-            <a:endParaRPr lang="en-US" sz="2800" dirty="0"/>
           </a:p>
         </p:txBody>
       </p:sp>
@@ -6511,7 +7268,7 @@
           <a:p>
             <a:pPr algn="ctr"/>
             <a:r>
-              <a:rPr lang="en-US" sz="2800" dirty="0" smtClean="0">
+              <a:rPr lang="en-US" sz="2800" dirty="0">
                 <a:solidFill>
                   <a:srgbClr val="FF0000"/>
                 </a:solidFill>
@@ -6519,10 +7276,9 @@
               <a:t>a</a:t>
             </a:r>
             <a:r>
-              <a:rPr lang="en-US" sz="2800" dirty="0" smtClean="0"/>
+              <a:rPr lang="en-US" sz="2800" dirty="0"/>
               <a:t>te</a:t>
             </a:r>
-            <a:endParaRPr lang="en-US" sz="2800" dirty="0"/>
           </a:p>
         </p:txBody>
       </p:sp>
@@ -6690,18 +7446,13 @@
           <a:lstStyle/>
           <a:p>
             <a:r>
-              <a:rPr lang="en-US" sz="2800" dirty="0" smtClean="0">
+              <a:rPr lang="en-US" sz="2800" dirty="0">
                 <a:solidFill>
                   <a:srgbClr val="FF0000"/>
                 </a:solidFill>
               </a:rPr>
               <a:t>a</a:t>
             </a:r>
-            <a:endParaRPr lang="en-US" sz="2800" dirty="0">
-              <a:solidFill>
-                <a:srgbClr val="FF0000"/>
-              </a:solidFill>
-            </a:endParaRPr>
           </a:p>
         </p:txBody>
       </p:sp>
@@ -6816,10 +7567,9 @@
           <a:lstStyle/>
           <a:p>
             <a:r>
-              <a:rPr lang="en-US" sz="2800" dirty="0" smtClean="0"/>
+              <a:rPr lang="en-US" sz="2800" dirty="0"/>
               <a:t>t</a:t>
             </a:r>
-            <a:endParaRPr lang="en-US" sz="2800" dirty="0"/>
           </a:p>
         </p:txBody>
       </p:sp>
@@ -6932,10 +7682,9 @@
           <a:lstStyle/>
           <a:p>
             <a:r>
-              <a:rPr lang="en-US" sz="2800" dirty="0" smtClean="0"/>
+              <a:rPr lang="en-US" sz="2800" dirty="0"/>
               <a:t>e</a:t>
             </a:r>
-            <a:endParaRPr lang="en-US" sz="2800" dirty="0"/>
           </a:p>
         </p:txBody>
       </p:sp>
@@ -6999,11 +7748,11 @@
           <a:p>
             <a:pPr algn="ctr"/>
             <a:r>
-              <a:rPr lang="en-US" sz="2800" dirty="0" smtClean="0"/>
+              <a:rPr lang="en-US" sz="2800" dirty="0"/>
               <a:t>a</a:t>
             </a:r>
             <a:r>
-              <a:rPr lang="en-US" sz="2800" dirty="0" smtClean="0">
+              <a:rPr lang="en-US" sz="2800" dirty="0">
                 <a:solidFill>
                   <a:srgbClr val="FF0000"/>
                 </a:solidFill>
@@ -7011,10 +7760,9 @@
               <a:t>t</a:t>
             </a:r>
             <a:r>
-              <a:rPr lang="en-US" sz="2800" dirty="0" smtClean="0"/>
+              <a:rPr lang="en-US" sz="2800" dirty="0"/>
               <a:t>e</a:t>
             </a:r>
-            <a:endParaRPr lang="en-US" sz="2800" dirty="0"/>
           </a:p>
         </p:txBody>
       </p:sp>
@@ -7177,10 +7925,9 @@
           <a:lstStyle/>
           <a:p>
             <a:r>
-              <a:rPr lang="en-US" sz="2800" dirty="0" smtClean="0"/>
+              <a:rPr lang="en-US" sz="2800" dirty="0"/>
               <a:t>a</a:t>
             </a:r>
-            <a:endParaRPr lang="en-US" sz="2800" dirty="0"/>
           </a:p>
         </p:txBody>
       </p:sp>
@@ -7295,18 +8042,13 @@
           <a:lstStyle/>
           <a:p>
             <a:r>
-              <a:rPr lang="en-US" sz="2800" dirty="0" smtClean="0">
+              <a:rPr lang="en-US" sz="2800" dirty="0">
                 <a:solidFill>
                   <a:srgbClr val="FF0000"/>
                 </a:solidFill>
               </a:rPr>
               <a:t>t</a:t>
             </a:r>
-            <a:endParaRPr lang="en-US" sz="2800" dirty="0">
-              <a:solidFill>
-                <a:srgbClr val="FF0000"/>
-              </a:solidFill>
-            </a:endParaRPr>
           </a:p>
         </p:txBody>
       </p:sp>
@@ -7419,10 +8161,9 @@
           <a:lstStyle/>
           <a:p>
             <a:r>
-              <a:rPr lang="en-US" sz="2800" dirty="0" smtClean="0"/>
+              <a:rPr lang="en-US" sz="2800" dirty="0"/>
               <a:t>e</a:t>
             </a:r>
-            <a:endParaRPr lang="en-US" sz="2800" dirty="0"/>
           </a:p>
         </p:txBody>
       </p:sp>
@@ -7486,22 +8227,17 @@
           <a:p>
             <a:pPr algn="ctr"/>
             <a:r>
-              <a:rPr lang="en-US" sz="2800" dirty="0" smtClean="0"/>
+              <a:rPr lang="en-US" sz="2800" dirty="0"/>
               <a:t>at</a:t>
             </a:r>
             <a:r>
-              <a:rPr lang="en-US" sz="2800" dirty="0" smtClean="0">
+              <a:rPr lang="en-US" sz="2800" dirty="0">
                 <a:solidFill>
                   <a:srgbClr val="FF0000"/>
                 </a:solidFill>
               </a:rPr>
               <a:t>e</a:t>
             </a:r>
-            <a:endParaRPr lang="en-US" sz="2800" dirty="0">
-              <a:solidFill>
-                <a:srgbClr val="FF0000"/>
-              </a:solidFill>
-            </a:endParaRPr>
           </a:p>
         </p:txBody>
       </p:sp>
@@ -7664,10 +8400,9 @@
           <a:lstStyle/>
           <a:p>
             <a:r>
-              <a:rPr lang="en-US" sz="2800" dirty="0" smtClean="0"/>
+              <a:rPr lang="en-US" sz="2800" dirty="0"/>
               <a:t>a</a:t>
             </a:r>
-            <a:endParaRPr lang="en-US" sz="2800" dirty="0"/>
           </a:p>
         </p:txBody>
       </p:sp>
@@ -7780,10 +8515,9 @@
           <a:lstStyle/>
           <a:p>
             <a:r>
-              <a:rPr lang="en-US" sz="2800" dirty="0" smtClean="0"/>
+              <a:rPr lang="en-US" sz="2800" dirty="0"/>
               <a:t>t</a:t>
             </a:r>
-            <a:endParaRPr lang="en-US" sz="2800" dirty="0"/>
           </a:p>
         </p:txBody>
       </p:sp>
@@ -7898,18 +8632,13 @@
           <a:lstStyle/>
           <a:p>
             <a:r>
-              <a:rPr lang="en-US" sz="2800" dirty="0" smtClean="0">
+              <a:rPr lang="en-US" sz="2800" dirty="0">
                 <a:solidFill>
                   <a:srgbClr val="FF0000"/>
                 </a:solidFill>
               </a:rPr>
               <a:t>e</a:t>
             </a:r>
-            <a:endParaRPr lang="en-US" sz="2800" dirty="0">
-              <a:solidFill>
-                <a:srgbClr val="FF0000"/>
-              </a:solidFill>
-            </a:endParaRPr>
           </a:p>
         </p:txBody>
       </p:sp>
@@ -8107,10 +8836,9 @@
           <a:lstStyle/>
           <a:p>
             <a:r>
-              <a:rPr lang="en-US" sz="2800" dirty="0" smtClean="0"/>
+              <a:rPr lang="en-US" sz="2800" dirty="0"/>
               <a:t>a</a:t>
             </a:r>
-            <a:endParaRPr lang="en-US" sz="2800" dirty="0"/>
           </a:p>
         </p:txBody>
       </p:sp>
@@ -8226,10 +8954,9 @@
           <a:lstStyle/>
           <a:p>
             <a:r>
-              <a:rPr lang="en-US" sz="2800" dirty="0" smtClean="0"/>
+              <a:rPr lang="en-US" sz="2800" dirty="0"/>
               <a:t>t</a:t>
             </a:r>
-            <a:endParaRPr lang="en-US" sz="2800" dirty="0"/>
           </a:p>
         </p:txBody>
       </p:sp>
@@ -8345,10 +9072,9 @@
           <a:lstStyle/>
           <a:p>
             <a:r>
-              <a:rPr lang="en-US" sz="2800" dirty="0" smtClean="0"/>
+              <a:rPr lang="en-US" sz="2800" dirty="0"/>
               <a:t>e</a:t>
             </a:r>
-            <a:endParaRPr lang="en-US" sz="2800" dirty="0"/>
           </a:p>
         </p:txBody>
       </p:sp>
@@ -8412,7 +9138,7 @@
           <a:p>
             <a:pPr algn="ctr"/>
             <a:r>
-              <a:rPr lang="en-US" sz="2800" dirty="0" smtClean="0">
+              <a:rPr lang="en-US" sz="2800" dirty="0">
                 <a:solidFill>
                   <a:srgbClr val="FF0000"/>
                 </a:solidFill>
@@ -8420,10 +9146,9 @@
               <a:t>a</a:t>
             </a:r>
             <a:r>
-              <a:rPr lang="en-US" sz="2800" dirty="0" smtClean="0"/>
+              <a:rPr lang="en-US" sz="2800" dirty="0"/>
               <a:t>te</a:t>
             </a:r>
-            <a:endParaRPr lang="en-US" sz="2800" dirty="0"/>
           </a:p>
         </p:txBody>
       </p:sp>
@@ -8591,18 +9316,13 @@
           <a:lstStyle/>
           <a:p>
             <a:r>
-              <a:rPr lang="en-US" sz="2800" dirty="0" smtClean="0">
+              <a:rPr lang="en-US" sz="2800" dirty="0">
                 <a:solidFill>
                   <a:srgbClr val="FF0000"/>
                 </a:solidFill>
               </a:rPr>
               <a:t>a</a:t>
             </a:r>
-            <a:endParaRPr lang="en-US" sz="2800" dirty="0">
-              <a:solidFill>
-                <a:srgbClr val="FF0000"/>
-              </a:solidFill>
-            </a:endParaRPr>
           </a:p>
         </p:txBody>
       </p:sp>
@@ -8717,10 +9437,9 @@
           <a:lstStyle/>
           <a:p>
             <a:r>
-              <a:rPr lang="en-US" sz="2800" dirty="0" smtClean="0"/>
+              <a:rPr lang="en-US" sz="2800" dirty="0"/>
               <a:t>t</a:t>
             </a:r>
-            <a:endParaRPr lang="en-US" sz="2800" dirty="0"/>
           </a:p>
         </p:txBody>
       </p:sp>
@@ -8833,10 +9552,9 @@
           <a:lstStyle/>
           <a:p>
             <a:r>
-              <a:rPr lang="en-US" sz="2800" dirty="0" smtClean="0"/>
+              <a:rPr lang="en-US" sz="2800" dirty="0"/>
               <a:t>e</a:t>
             </a:r>
-            <a:endParaRPr lang="en-US" sz="2800" dirty="0"/>
           </a:p>
         </p:txBody>
       </p:sp>
@@ -8900,11 +9618,11 @@
           <a:p>
             <a:pPr algn="ctr"/>
             <a:r>
-              <a:rPr lang="en-US" sz="2800" dirty="0" smtClean="0"/>
+              <a:rPr lang="en-US" sz="2800" dirty="0"/>
               <a:t>a</a:t>
             </a:r>
             <a:r>
-              <a:rPr lang="en-US" sz="2800" dirty="0" smtClean="0">
+              <a:rPr lang="en-US" sz="2800" dirty="0">
                 <a:solidFill>
                   <a:srgbClr val="FF0000"/>
                 </a:solidFill>
@@ -8912,10 +9630,9 @@
               <a:t>t</a:t>
             </a:r>
             <a:r>
-              <a:rPr lang="en-US" sz="2800" dirty="0" smtClean="0"/>
+              <a:rPr lang="en-US" sz="2800" dirty="0"/>
               <a:t>e</a:t>
             </a:r>
-            <a:endParaRPr lang="en-US" sz="2800" dirty="0"/>
           </a:p>
         </p:txBody>
       </p:sp>
@@ -9078,10 +9795,9 @@
           <a:lstStyle/>
           <a:p>
             <a:r>
-              <a:rPr lang="en-US" sz="2800" dirty="0" smtClean="0"/>
+              <a:rPr lang="en-US" sz="2800" dirty="0"/>
               <a:t>a</a:t>
             </a:r>
-            <a:endParaRPr lang="en-US" sz="2800" dirty="0"/>
           </a:p>
         </p:txBody>
       </p:sp>
@@ -9196,18 +9912,13 @@
           <a:lstStyle/>
           <a:p>
             <a:r>
-              <a:rPr lang="en-US" sz="2800" dirty="0" smtClean="0">
+              <a:rPr lang="en-US" sz="2800" dirty="0">
                 <a:solidFill>
                   <a:srgbClr val="FF0000"/>
                 </a:solidFill>
               </a:rPr>
               <a:t>t</a:t>
             </a:r>
-            <a:endParaRPr lang="en-US" sz="2800" dirty="0">
-              <a:solidFill>
-                <a:srgbClr val="FF0000"/>
-              </a:solidFill>
-            </a:endParaRPr>
           </a:p>
         </p:txBody>
       </p:sp>
@@ -9320,10 +10031,9 @@
           <a:lstStyle/>
           <a:p>
             <a:r>
-              <a:rPr lang="en-US" sz="2800" dirty="0" smtClean="0"/>
+              <a:rPr lang="en-US" sz="2800" dirty="0"/>
               <a:t>e</a:t>
             </a:r>
-            <a:endParaRPr lang="en-US" sz="2800" dirty="0"/>
           </a:p>
         </p:txBody>
       </p:sp>
@@ -9387,22 +10097,17 @@
           <a:p>
             <a:pPr algn="ctr"/>
             <a:r>
-              <a:rPr lang="en-US" sz="2800" dirty="0" smtClean="0"/>
+              <a:rPr lang="en-US" sz="2800" dirty="0"/>
               <a:t>at</a:t>
             </a:r>
             <a:r>
-              <a:rPr lang="en-US" sz="2800" dirty="0" smtClean="0">
+              <a:rPr lang="en-US" sz="2800" dirty="0">
                 <a:solidFill>
                   <a:srgbClr val="FF0000"/>
                 </a:solidFill>
               </a:rPr>
               <a:t>e</a:t>
             </a:r>
-            <a:endParaRPr lang="en-US" sz="2800" dirty="0">
-              <a:solidFill>
-                <a:srgbClr val="FF0000"/>
-              </a:solidFill>
-            </a:endParaRPr>
           </a:p>
         </p:txBody>
       </p:sp>
@@ -9565,10 +10270,9 @@
           <a:lstStyle/>
           <a:p>
             <a:r>
-              <a:rPr lang="en-US" sz="2800" dirty="0" smtClean="0"/>
+              <a:rPr lang="en-US" sz="2800" dirty="0"/>
               <a:t>a</a:t>
             </a:r>
-            <a:endParaRPr lang="en-US" sz="2800" dirty="0"/>
           </a:p>
         </p:txBody>
       </p:sp>
@@ -9681,10 +10385,9 @@
           <a:lstStyle/>
           <a:p>
             <a:r>
-              <a:rPr lang="en-US" sz="2800" dirty="0" smtClean="0"/>
+              <a:rPr lang="en-US" sz="2800" dirty="0"/>
               <a:t>t</a:t>
             </a:r>
-            <a:endParaRPr lang="en-US" sz="2800" dirty="0"/>
           </a:p>
         </p:txBody>
       </p:sp>
@@ -9799,18 +10502,13 @@
           <a:lstStyle/>
           <a:p>
             <a:r>
-              <a:rPr lang="en-US" sz="2800" dirty="0" smtClean="0">
+              <a:rPr lang="en-US" sz="2800" dirty="0">
                 <a:solidFill>
                   <a:srgbClr val="FF0000"/>
                 </a:solidFill>
               </a:rPr>
               <a:t>e</a:t>
             </a:r>
-            <a:endParaRPr lang="en-US" sz="2800" dirty="0">
-              <a:solidFill>
-                <a:srgbClr val="FF0000"/>
-              </a:solidFill>
-            </a:endParaRPr>
           </a:p>
         </p:txBody>
       </p:sp>
@@ -9874,10 +10572,9 @@
           <a:p>
             <a:pPr algn="ctr"/>
             <a:r>
-              <a:rPr lang="en-US" sz="2800" dirty="0" smtClean="0"/>
+              <a:rPr lang="en-US" sz="2800" dirty="0"/>
               <a:t>ate</a:t>
             </a:r>
-            <a:endParaRPr lang="en-US" sz="2800" dirty="0"/>
           </a:p>
         </p:txBody>
       </p:sp>
@@ -10040,10 +10737,9 @@
           <a:lstStyle/>
           <a:p>
             <a:r>
-              <a:rPr lang="en-US" sz="2800" dirty="0" smtClean="0"/>
+              <a:rPr lang="en-US" sz="2800" dirty="0"/>
               <a:t>a</a:t>
             </a:r>
-            <a:endParaRPr lang="en-US" sz="2800" dirty="0"/>
           </a:p>
         </p:txBody>
       </p:sp>
@@ -10156,10 +10852,9 @@
           <a:lstStyle/>
           <a:p>
             <a:r>
-              <a:rPr lang="en-US" sz="2800" dirty="0" smtClean="0"/>
+              <a:rPr lang="en-US" sz="2800" dirty="0"/>
               <a:t>t</a:t>
             </a:r>
-            <a:endParaRPr lang="en-US" sz="2800" dirty="0"/>
           </a:p>
         </p:txBody>
       </p:sp>
@@ -10272,10 +10967,9 @@
           <a:lstStyle/>
           <a:p>
             <a:r>
-              <a:rPr lang="en-US" sz="2800" dirty="0" smtClean="0"/>
+              <a:rPr lang="en-US" sz="2800" dirty="0"/>
               <a:t>e</a:t>
             </a:r>
-            <a:endParaRPr lang="en-US" sz="2800" dirty="0"/>
           </a:p>
         </p:txBody>
       </p:sp>
@@ -10473,10 +11167,9 @@
           <a:lstStyle/>
           <a:p>
             <a:r>
-              <a:rPr lang="en-US" sz="2800" dirty="0" smtClean="0"/>
+              <a:rPr lang="en-US" sz="2800" dirty="0"/>
               <a:t>a</a:t>
             </a:r>
-            <a:endParaRPr lang="en-US" sz="2800" dirty="0"/>
           </a:p>
         </p:txBody>
       </p:sp>
@@ -10592,10 +11285,9 @@
           <a:lstStyle/>
           <a:p>
             <a:r>
-              <a:rPr lang="en-US" sz="2800" dirty="0" smtClean="0"/>
+              <a:rPr lang="en-US" sz="2800" dirty="0"/>
               <a:t>t</a:t>
             </a:r>
-            <a:endParaRPr lang="en-US" sz="2800" dirty="0"/>
           </a:p>
         </p:txBody>
       </p:sp>
@@ -10711,10 +11403,9 @@
           <a:lstStyle/>
           <a:p>
             <a:r>
-              <a:rPr lang="en-US" sz="2800" dirty="0" smtClean="0"/>
+              <a:rPr lang="en-US" sz="2800" dirty="0"/>
               <a:t>e</a:t>
             </a:r>
-            <a:endParaRPr lang="en-US" sz="2800" dirty="0"/>
           </a:p>
         </p:txBody>
       </p:sp>
@@ -10778,7 +11469,7 @@
           <a:p>
             <a:pPr algn="ctr"/>
             <a:r>
-              <a:rPr lang="en-US" sz="2800" dirty="0" smtClean="0">
+              <a:rPr lang="en-US" sz="2800" dirty="0">
                 <a:solidFill>
                   <a:srgbClr val="FF0000"/>
                 </a:solidFill>
@@ -10786,10 +11477,9 @@
               <a:t>a</a:t>
             </a:r>
             <a:r>
-              <a:rPr lang="en-US" sz="2800" dirty="0" smtClean="0"/>
+              <a:rPr lang="en-US" sz="2800" dirty="0"/>
               <a:t>nt</a:t>
             </a:r>
-            <a:endParaRPr lang="en-US" sz="2800" dirty="0"/>
           </a:p>
         </p:txBody>
       </p:sp>
@@ -10957,18 +11647,13 @@
           <a:lstStyle/>
           <a:p>
             <a:r>
-              <a:rPr lang="en-US" sz="2800" dirty="0" smtClean="0">
+              <a:rPr lang="en-US" sz="2800" dirty="0">
                 <a:solidFill>
                   <a:srgbClr val="FF0000"/>
                 </a:solidFill>
               </a:rPr>
               <a:t>a</a:t>
             </a:r>
-            <a:endParaRPr lang="en-US" sz="2800" dirty="0">
-              <a:solidFill>
-                <a:srgbClr val="FF0000"/>
-              </a:solidFill>
-            </a:endParaRPr>
           </a:p>
         </p:txBody>
       </p:sp>
@@ -11083,10 +11768,9 @@
           <a:lstStyle/>
           <a:p>
             <a:r>
-              <a:rPr lang="en-US" sz="2800" dirty="0" smtClean="0"/>
+              <a:rPr lang="en-US" sz="2800" dirty="0"/>
               <a:t>t</a:t>
             </a:r>
-            <a:endParaRPr lang="en-US" sz="2800" dirty="0"/>
           </a:p>
         </p:txBody>
       </p:sp>
@@ -11199,10 +11883,9 @@
           <a:lstStyle/>
           <a:p>
             <a:r>
-              <a:rPr lang="en-US" sz="2800" dirty="0" smtClean="0"/>
+              <a:rPr lang="en-US" sz="2800" dirty="0"/>
               <a:t>e</a:t>
             </a:r>
-            <a:endParaRPr lang="en-US" sz="2800" dirty="0"/>
           </a:p>
         </p:txBody>
       </p:sp>
@@ -11266,11 +11949,11 @@
           <a:p>
             <a:pPr algn="ctr"/>
             <a:r>
-              <a:rPr lang="en-US" sz="2800" dirty="0" smtClean="0"/>
+              <a:rPr lang="en-US" sz="2800" dirty="0"/>
               <a:t>a</a:t>
             </a:r>
             <a:r>
-              <a:rPr lang="en-US" sz="2800" dirty="0" smtClean="0">
+              <a:rPr lang="en-US" sz="2800" dirty="0">
                 <a:solidFill>
                   <a:srgbClr val="FF0000"/>
                 </a:solidFill>
@@ -11278,10 +11961,9 @@
               <a:t>n</a:t>
             </a:r>
             <a:r>
-              <a:rPr lang="en-US" sz="2800" dirty="0" smtClean="0"/>
+              <a:rPr lang="en-US" sz="2800" dirty="0"/>
               <a:t>t</a:t>
             </a:r>
-            <a:endParaRPr lang="en-US" sz="2800" dirty="0"/>
           </a:p>
         </p:txBody>
       </p:sp>
@@ -11444,10 +12126,9 @@
           <a:lstStyle/>
           <a:p>
             <a:r>
-              <a:rPr lang="en-US" sz="2800" dirty="0" smtClean="0"/>
+              <a:rPr lang="en-US" sz="2800" dirty="0"/>
               <a:t>a</a:t>
             </a:r>
-            <a:endParaRPr lang="en-US" sz="2800" dirty="0"/>
           </a:p>
         </p:txBody>
       </p:sp>
@@ -11565,18 +12246,13 @@
           <a:lstStyle/>
           <a:p>
             <a:r>
-              <a:rPr lang="en-US" sz="2800" dirty="0" smtClean="0">
+              <a:rPr lang="en-US" sz="2800" dirty="0">
                 <a:solidFill>
                   <a:srgbClr val="FF0000"/>
                 </a:solidFill>
               </a:rPr>
               <a:t>n</a:t>
             </a:r>
-            <a:endParaRPr lang="en-US" sz="2800" dirty="0">
-              <a:solidFill>
-                <a:srgbClr val="FF0000"/>
-              </a:solidFill>
-            </a:endParaRPr>
           </a:p>
         </p:txBody>
       </p:sp>
@@ -11640,22 +12316,17 @@
           <a:p>
             <a:pPr algn="ctr"/>
             <a:r>
-              <a:rPr lang="en-US" sz="2800" dirty="0" smtClean="0"/>
+              <a:rPr lang="en-US" sz="2800" dirty="0"/>
               <a:t>an</a:t>
             </a:r>
             <a:r>
-              <a:rPr lang="en-US" sz="2800" dirty="0" smtClean="0">
+              <a:rPr lang="en-US" sz="2800" dirty="0">
                 <a:solidFill>
                   <a:srgbClr val="FF0000"/>
                 </a:solidFill>
               </a:rPr>
               <a:t>t</a:t>
             </a:r>
-            <a:endParaRPr lang="en-US" sz="2800" dirty="0">
-              <a:solidFill>
-                <a:srgbClr val="FF0000"/>
-              </a:solidFill>
-            </a:endParaRPr>
           </a:p>
         </p:txBody>
       </p:sp>
@@ -11771,10 +12442,9 @@
           <a:lstStyle/>
           <a:p>
             <a:r>
-              <a:rPr lang="en-US" sz="2800" dirty="0" smtClean="0"/>
+              <a:rPr lang="en-US" sz="2800" dirty="0"/>
               <a:t>t</a:t>
             </a:r>
-            <a:endParaRPr lang="en-US" sz="2800" dirty="0"/>
           </a:p>
         </p:txBody>
       </p:sp>
@@ -11887,10 +12557,9 @@
           <a:lstStyle/>
           <a:p>
             <a:r>
-              <a:rPr lang="en-US" sz="2800" dirty="0" smtClean="0"/>
+              <a:rPr lang="en-US" sz="2800" dirty="0"/>
               <a:t>e</a:t>
             </a:r>
-            <a:endParaRPr lang="en-US" sz="2800" dirty="0"/>
           </a:p>
         </p:txBody>
       </p:sp>
@@ -12053,10 +12722,9 @@
           <a:lstStyle/>
           <a:p>
             <a:r>
-              <a:rPr lang="en-US" sz="2800" dirty="0" smtClean="0"/>
+              <a:rPr lang="en-US" sz="2800" dirty="0"/>
               <a:t>a</a:t>
             </a:r>
-            <a:endParaRPr lang="en-US" sz="2800" dirty="0"/>
           </a:p>
         </p:txBody>
       </p:sp>
@@ -12169,10 +12837,9 @@
           <a:lstStyle/>
           <a:p>
             <a:r>
-              <a:rPr lang="en-US" sz="2800" dirty="0" smtClean="0"/>
+              <a:rPr lang="en-US" sz="2800" dirty="0"/>
               <a:t>n</a:t>
             </a:r>
-            <a:endParaRPr lang="en-US" sz="2800" dirty="0"/>
           </a:p>
         </p:txBody>
       </p:sp>
@@ -12285,10 +12952,9 @@
           <a:lstStyle/>
           <a:p>
             <a:r>
-              <a:rPr lang="en-US" sz="2800" dirty="0" smtClean="0"/>
+              <a:rPr lang="en-US" sz="2800" dirty="0"/>
               <a:t>t</a:t>
             </a:r>
-            <a:endParaRPr lang="en-US" sz="2800" dirty="0"/>
           </a:p>
         </p:txBody>
       </p:sp>
@@ -12401,10 +13067,9 @@
           <a:lstStyle/>
           <a:p>
             <a:r>
-              <a:rPr lang="en-US" sz="2800" dirty="0" smtClean="0"/>
+              <a:rPr lang="en-US" sz="2800" dirty="0"/>
               <a:t>e</a:t>
             </a:r>
-            <a:endParaRPr lang="en-US" sz="2800" dirty="0"/>
           </a:p>
         </p:txBody>
       </p:sp>
@@ -12522,18 +13187,13 @@
           <a:lstStyle/>
           <a:p>
             <a:r>
-              <a:rPr lang="en-US" sz="2800" dirty="0" smtClean="0">
+              <a:rPr lang="en-US" sz="2800" dirty="0">
                 <a:solidFill>
                   <a:srgbClr val="FF0000"/>
                 </a:solidFill>
               </a:rPr>
               <a:t>t</a:t>
             </a:r>
-            <a:endParaRPr lang="en-US" sz="2800" dirty="0">
-              <a:solidFill>
-                <a:srgbClr val="FF0000"/>
-              </a:solidFill>
-            </a:endParaRPr>
           </a:p>
         </p:txBody>
       </p:sp>
@@ -12679,7 +13339,7 @@
           <a:p>
             <a:pPr algn="ctr"/>
             <a:r>
-              <a:rPr lang="en-US" sz="2800" smtClean="0">
+              <a:rPr lang="en-US" sz="2800">
                 <a:solidFill>
                   <a:srgbClr val="FF0000"/>
                 </a:solidFill>
@@ -12853,18 +13513,13 @@
           <a:lstStyle/>
           <a:p>
             <a:r>
-              <a:rPr lang="en-US" sz="2800" dirty="0" smtClean="0">
+              <a:rPr lang="en-US" sz="2800" dirty="0">
                 <a:solidFill>
                   <a:srgbClr val="FF0000"/>
                 </a:solidFill>
               </a:rPr>
               <a:t>a</a:t>
             </a:r>
-            <a:endParaRPr lang="en-US" sz="2800" dirty="0">
-              <a:solidFill>
-                <a:srgbClr val="FF0000"/>
-              </a:solidFill>
-            </a:endParaRPr>
           </a:p>
         </p:txBody>
       </p:sp>
@@ -13060,10 +13715,9 @@
           <a:lstStyle/>
           <a:p>
             <a:r>
-              <a:rPr lang="en-US" sz="2800" dirty="0" smtClean="0"/>
+              <a:rPr lang="en-US" sz="2800" dirty="0"/>
               <a:t>b</a:t>
             </a:r>
-            <a:endParaRPr lang="en-US" sz="2800" dirty="0"/>
           </a:p>
         </p:txBody>
       </p:sp>
@@ -13179,10 +13833,9 @@
           <a:lstStyle/>
           <a:p>
             <a:r>
-              <a:rPr lang="en-US" sz="2800" dirty="0" smtClean="0"/>
+              <a:rPr lang="en-US" sz="2800" dirty="0"/>
               <a:t>e</a:t>
             </a:r>
-            <a:endParaRPr lang="en-US" sz="2800" dirty="0"/>
           </a:p>
         </p:txBody>
       </p:sp>
@@ -13298,10 +13951,9 @@
           <a:lstStyle/>
           <a:p>
             <a:r>
-              <a:rPr lang="en-US" sz="2800" dirty="0" smtClean="0"/>
+              <a:rPr lang="en-US" sz="2800" dirty="0"/>
               <a:t>r</a:t>
             </a:r>
-            <a:endParaRPr lang="en-US" sz="2800" dirty="0"/>
           </a:p>
         </p:txBody>
       </p:sp>
@@ -13416,10 +14068,9 @@
           <a:lstStyle/>
           <a:p>
             <a:r>
-              <a:rPr lang="en-US" sz="2800" dirty="0" smtClean="0"/>
+              <a:rPr lang="en-US" sz="2800" dirty="0"/>
               <a:t>e</a:t>
             </a:r>
-            <a:endParaRPr lang="en-US" sz="2800" dirty="0"/>
           </a:p>
         </p:txBody>
       </p:sp>
@@ -13534,10 +14185,9 @@
           <a:lstStyle/>
           <a:p>
             <a:r>
-              <a:rPr lang="en-US" sz="2800" dirty="0" smtClean="0"/>
+              <a:rPr lang="en-US" sz="2800" dirty="0"/>
               <a:t>t</a:t>
             </a:r>
-            <a:endParaRPr lang="en-US" sz="2800" dirty="0"/>
           </a:p>
         </p:txBody>
       </p:sp>
@@ -13653,10 +14303,9 @@
           <a:lstStyle/>
           <a:p>
             <a:r>
-              <a:rPr lang="en-US" sz="2800" dirty="0" smtClean="0"/>
+              <a:rPr lang="en-US" sz="2800" dirty="0"/>
               <a:t>o</a:t>
             </a:r>
-            <a:endParaRPr lang="en-US" sz="2800" dirty="0"/>
           </a:p>
         </p:txBody>
       </p:sp>
@@ -13821,10 +14470,9 @@
           <a:lstStyle/>
           <a:p>
             <a:r>
-              <a:rPr lang="en-US" sz="2800" dirty="0" smtClean="0"/>
+              <a:rPr lang="en-US" sz="2800" dirty="0"/>
               <a:t>n</a:t>
             </a:r>
-            <a:endParaRPr lang="en-US" sz="2800" dirty="0"/>
           </a:p>
         </p:txBody>
       </p:sp>
@@ -13939,10 +14587,9 @@
           <a:lstStyle/>
           <a:p>
             <a:r>
-              <a:rPr lang="en-US" sz="2800" dirty="0" smtClean="0"/>
+              <a:rPr lang="en-US" sz="2800" dirty="0"/>
               <a:t>s</a:t>
             </a:r>
-            <a:endParaRPr lang="en-US" sz="2800" dirty="0"/>
           </a:p>
         </p:txBody>
       </p:sp>
@@ -14055,10 +14702,9 @@
           <a:lstStyle/>
           <a:p>
             <a:r>
-              <a:rPr lang="en-US" sz="2800" dirty="0" smtClean="0"/>
+              <a:rPr lang="en-US" sz="2800" dirty="0"/>
               <a:t>t</a:t>
             </a:r>
-            <a:endParaRPr lang="en-US" sz="2800" dirty="0"/>
           </a:p>
         </p:txBody>
       </p:sp>
@@ -14171,10 +14817,9 @@
           <a:lstStyle/>
           <a:p>
             <a:r>
-              <a:rPr lang="en-US" sz="2800" dirty="0" smtClean="0"/>
+              <a:rPr lang="en-US" sz="2800" dirty="0"/>
               <a:t>y</a:t>
             </a:r>
-            <a:endParaRPr lang="en-US" sz="2800" dirty="0"/>
           </a:p>
         </p:txBody>
       </p:sp>
@@ -14287,10 +14932,9 @@
           <a:lstStyle/>
           <a:p>
             <a:r>
-              <a:rPr lang="en-US" sz="2800" dirty="0" smtClean="0"/>
+              <a:rPr lang="en-US" sz="2800" dirty="0"/>
               <a:t>k</a:t>
             </a:r>
-            <a:endParaRPr lang="en-US" sz="2800" dirty="0"/>
           </a:p>
         </p:txBody>
       </p:sp>
@@ -14356,10 +15000,9 @@
           <a:lstStyle/>
           <a:p>
             <a:r>
-              <a:rPr lang="en-US" sz="2800" dirty="0" smtClean="0"/>
+              <a:rPr lang="en-US" sz="2800" dirty="0"/>
               <a:t>a</a:t>
             </a:r>
-            <a:endParaRPr lang="en-US" sz="2800" dirty="0"/>
           </a:p>
         </p:txBody>
       </p:sp>
@@ -14555,10 +15198,9 @@
           <a:lstStyle/>
           <a:p>
             <a:r>
-              <a:rPr lang="en-US" sz="2800" dirty="0" smtClean="0"/>
+              <a:rPr lang="en-US" sz="2800" dirty="0"/>
               <a:t>T</a:t>
             </a:r>
-            <a:endParaRPr lang="en-US" sz="2800" dirty="0"/>
           </a:p>
         </p:txBody>
       </p:sp>
@@ -14674,10 +15316,9 @@
           <a:lstStyle/>
           <a:p>
             <a:r>
-              <a:rPr lang="en-US" sz="2800" dirty="0" smtClean="0"/>
+              <a:rPr lang="en-US" sz="2800" dirty="0"/>
               <a:t>A</a:t>
             </a:r>
-            <a:endParaRPr lang="en-US" sz="2800" dirty="0"/>
           </a:p>
         </p:txBody>
       </p:sp>
@@ -14793,10 +15434,9 @@
           <a:lstStyle/>
           <a:p>
             <a:r>
-              <a:rPr lang="en-US" sz="2800" dirty="0" smtClean="0"/>
+              <a:rPr lang="en-US" sz="2800" dirty="0"/>
               <a:t>G</a:t>
             </a:r>
-            <a:endParaRPr lang="en-US" sz="2800" dirty="0"/>
           </a:p>
         </p:txBody>
       </p:sp>
@@ -14911,10 +15551,9 @@
           <a:lstStyle/>
           <a:p>
             <a:r>
-              <a:rPr lang="en-US" sz="2800" dirty="0" smtClean="0"/>
+              <a:rPr lang="en-US" sz="2800" dirty="0"/>
               <a:t>A</a:t>
             </a:r>
-            <a:endParaRPr lang="en-US" sz="2800" dirty="0"/>
           </a:p>
         </p:txBody>
       </p:sp>
@@ -15029,10 +15668,9 @@
           <a:lstStyle/>
           <a:p>
             <a:r>
-              <a:rPr lang="en-US" sz="2800" dirty="0" smtClean="0"/>
+              <a:rPr lang="en-US" sz="2800" dirty="0"/>
               <a:t>G</a:t>
             </a:r>
-            <a:endParaRPr lang="en-US" sz="2800" dirty="0"/>
           </a:p>
         </p:txBody>
       </p:sp>
@@ -15148,10 +15786,9 @@
           <a:lstStyle/>
           <a:p>
             <a:r>
-              <a:rPr lang="en-US" sz="2800" dirty="0" smtClean="0"/>
+              <a:rPr lang="en-US" sz="2800" dirty="0"/>
               <a:t>A</a:t>
             </a:r>
-            <a:endParaRPr lang="en-US" sz="2800" dirty="0"/>
           </a:p>
         </p:txBody>
       </p:sp>
